--- a/esercitazione_1/documents/Esercitazione 1.pptx
+++ b/esercitazione_1/documents/Esercitazione 1.pptx
@@ -4,44 +4,49 @@
   <p:sldMasterIdLst>
     <p:sldMasterId id="2147483648" r:id="rId1"/>
   </p:sldMasterIdLst>
+  <p:notesMasterIdLst>
+    <p:notesMasterId r:id="rId11"/>
+  </p:notesMasterIdLst>
   <p:sldIdLst>
     <p:sldId id="256" r:id="rId2"/>
     <p:sldId id="257" r:id="rId3"/>
     <p:sldId id="258" r:id="rId4"/>
-    <p:sldId id="259" r:id="rId5"/>
-    <p:sldId id="260" r:id="rId6"/>
-    <p:sldId id="262" r:id="rId7"/>
-    <p:sldId id="261" r:id="rId8"/>
+    <p:sldId id="260" r:id="rId5"/>
+    <p:sldId id="262" r:id="rId6"/>
+    <p:sldId id="259" r:id="rId7"/>
+    <p:sldId id="265" r:id="rId8"/>
+    <p:sldId id="264" r:id="rId9"/>
+    <p:sldId id="261" r:id="rId10"/>
   </p:sldIdLst>
   <p:sldSz cx="18288000" cy="10287000"/>
   <p:notesSz cx="6858000" cy="9144000"/>
   <p:embeddedFontLst>
     <p:embeddedFont>
       <p:font typeface="Calibri" panose="020F0502020204030204" pitchFamily="34" charset="0"/>
-      <p:regular r:id="rId9"/>
-      <p:bold r:id="rId10"/>
-      <p:italic r:id="rId11"/>
-      <p:boldItalic r:id="rId12"/>
+      <p:regular r:id="rId12"/>
+      <p:bold r:id="rId13"/>
+      <p:italic r:id="rId14"/>
+      <p:boldItalic r:id="rId15"/>
     </p:embeddedFont>
     <p:embeddedFont>
       <p:font typeface="Open Sans" panose="020B0606030504020204" pitchFamily="34" charset="0"/>
-      <p:regular r:id="rId13"/>
-      <p:bold r:id="rId14"/>
-      <p:italic r:id="rId15"/>
-      <p:boldItalic r:id="rId16"/>
+      <p:regular r:id="rId16"/>
+      <p:bold r:id="rId17"/>
+      <p:italic r:id="rId18"/>
+      <p:boldItalic r:id="rId19"/>
     </p:embeddedFont>
     <p:embeddedFont>
       <p:font typeface="Open Sans Extra Bold" panose="020B0604020202020204" charset="0"/>
-      <p:regular r:id="rId17"/>
+      <p:regular r:id="rId20"/>
     </p:embeddedFont>
     <p:embeddedFont>
       <p:font typeface="Open Sans Light" panose="020B0306030504020204" pitchFamily="34" charset="0"/>
-      <p:regular r:id="rId18"/>
-      <p:italic r:id="rId19"/>
+      <p:regular r:id="rId21"/>
+      <p:italic r:id="rId22"/>
     </p:embeddedFont>
     <p:embeddedFont>
       <p:font typeface="Open Sans Light Bold" panose="020B0604020202020204" charset="0"/>
-      <p:regular r:id="rId20"/>
+      <p:regular r:id="rId23"/>
     </p:embeddedFont>
   </p:embeddedFontLst>
   <p:defaultTextStyle>
@@ -164,6 +169,524 @@
     <p1510:client id="{27A5FE5C-EBA1-D52E-26F5-14B68FADEB2C}" v="1355" dt="2021-10-18T08:07:46.498"/>
   </p1510:revLst>
 </p1510:revInfo>
+</file>
+
+<file path=ppt/notesMasters/notesMaster1.xml><?xml version="1.0" encoding="utf-8"?>
+<p:notesMaster xmlns:a="http://schemas.openxmlformats.org/drawingml/2006/main" xmlns:r="http://schemas.openxmlformats.org/officeDocument/2006/relationships" xmlns:p="http://schemas.openxmlformats.org/presentationml/2006/main">
+  <p:cSld>
+    <p:bg>
+      <p:bgRef idx="1001">
+        <a:schemeClr val="bg1"/>
+      </p:bgRef>
+    </p:bg>
+    <p:spTree>
+      <p:nvGrpSpPr>
+        <p:cNvPr id="1" name=""/>
+        <p:cNvGrpSpPr/>
+        <p:nvPr/>
+      </p:nvGrpSpPr>
+      <p:grpSpPr>
+        <a:xfrm>
+          <a:off x="0" y="0"/>
+          <a:ext cx="0" cy="0"/>
+          <a:chOff x="0" y="0"/>
+          <a:chExt cx="0" cy="0"/>
+        </a:xfrm>
+      </p:grpSpPr>
+      <p:sp>
+        <p:nvSpPr>
+          <p:cNvPr id="2" name="Header Placeholder 1"/>
+          <p:cNvSpPr>
+            <a:spLocks noGrp="1"/>
+          </p:cNvSpPr>
+          <p:nvPr>
+            <p:ph type="hdr" sz="quarter"/>
+          </p:nvPr>
+        </p:nvSpPr>
+        <p:spPr>
+          <a:xfrm>
+            <a:off x="0" y="0"/>
+            <a:ext cx="2971800" cy="458788"/>
+          </a:xfrm>
+          <a:prstGeom prst="rect">
+            <a:avLst/>
+          </a:prstGeom>
+        </p:spPr>
+        <p:txBody>
+          <a:bodyPr vert="horz" lIns="91440" tIns="45720" rIns="91440" bIns="45720" rtlCol="0"/>
+          <a:lstStyle>
+            <a:lvl1pPr algn="l">
+              <a:defRPr sz="1200"/>
+            </a:lvl1pPr>
+          </a:lstStyle>
+          <a:p>
+            <a:endParaRPr lang="it-IT"/>
+          </a:p>
+        </p:txBody>
+      </p:sp>
+      <p:sp>
+        <p:nvSpPr>
+          <p:cNvPr id="3" name="Date Placeholder 2"/>
+          <p:cNvSpPr>
+            <a:spLocks noGrp="1"/>
+          </p:cNvSpPr>
+          <p:nvPr>
+            <p:ph type="dt" idx="1"/>
+          </p:nvPr>
+        </p:nvSpPr>
+        <p:spPr>
+          <a:xfrm>
+            <a:off x="3884613" y="0"/>
+            <a:ext cx="2971800" cy="458788"/>
+          </a:xfrm>
+          <a:prstGeom prst="rect">
+            <a:avLst/>
+          </a:prstGeom>
+        </p:spPr>
+        <p:txBody>
+          <a:bodyPr vert="horz" lIns="91440" tIns="45720" rIns="91440" bIns="45720" rtlCol="0"/>
+          <a:lstStyle>
+            <a:lvl1pPr algn="r">
+              <a:defRPr sz="1200"/>
+            </a:lvl1pPr>
+          </a:lstStyle>
+          <a:p>
+            <a:fld id="{13361636-BFE9-452D-8822-77868F860139}" type="datetimeFigureOut">
+              <a:rPr lang="it-IT" smtClean="0"/>
+              <a:t>18/10/2021</a:t>
+            </a:fld>
+            <a:endParaRPr lang="it-IT"/>
+          </a:p>
+        </p:txBody>
+      </p:sp>
+      <p:sp>
+        <p:nvSpPr>
+          <p:cNvPr id="4" name="Slide Image Placeholder 3"/>
+          <p:cNvSpPr>
+            <a:spLocks noGrp="1" noRot="1" noChangeAspect="1"/>
+          </p:cNvSpPr>
+          <p:nvPr>
+            <p:ph type="sldImg" idx="2"/>
+          </p:nvPr>
+        </p:nvSpPr>
+        <p:spPr>
+          <a:xfrm>
+            <a:off x="685800" y="1143000"/>
+            <a:ext cx="5486400" cy="3086100"/>
+          </a:xfrm>
+          <a:prstGeom prst="rect">
+            <a:avLst/>
+          </a:prstGeom>
+          <a:noFill/>
+          <a:ln w="12700">
+            <a:solidFill>
+              <a:prstClr val="black"/>
+            </a:solidFill>
+          </a:ln>
+        </p:spPr>
+        <p:txBody>
+          <a:bodyPr vert="horz" lIns="91440" tIns="45720" rIns="91440" bIns="45720" rtlCol="0" anchor="ctr"/>
+          <a:lstStyle/>
+          <a:p>
+            <a:endParaRPr lang="it-IT"/>
+          </a:p>
+        </p:txBody>
+      </p:sp>
+      <p:sp>
+        <p:nvSpPr>
+          <p:cNvPr id="5" name="Notes Placeholder 4"/>
+          <p:cNvSpPr>
+            <a:spLocks noGrp="1"/>
+          </p:cNvSpPr>
+          <p:nvPr>
+            <p:ph type="body" sz="quarter" idx="3"/>
+          </p:nvPr>
+        </p:nvSpPr>
+        <p:spPr>
+          <a:xfrm>
+            <a:off x="685800" y="4400550"/>
+            <a:ext cx="5486400" cy="3600450"/>
+          </a:xfrm>
+          <a:prstGeom prst="rect">
+            <a:avLst/>
+          </a:prstGeom>
+        </p:spPr>
+        <p:txBody>
+          <a:bodyPr vert="horz" lIns="91440" tIns="45720" rIns="91440" bIns="45720" rtlCol="0"/>
+          <a:lstStyle/>
+          <a:p>
+            <a:pPr lvl="0"/>
+            <a:r>
+              <a:rPr lang="en-US"/>
+              <a:t>Click to edit Master text styles</a:t>
+            </a:r>
+          </a:p>
+          <a:p>
+            <a:pPr lvl="1"/>
+            <a:r>
+              <a:rPr lang="en-US"/>
+              <a:t>Second level</a:t>
+            </a:r>
+          </a:p>
+          <a:p>
+            <a:pPr lvl="2"/>
+            <a:r>
+              <a:rPr lang="en-US"/>
+              <a:t>Third level</a:t>
+            </a:r>
+          </a:p>
+          <a:p>
+            <a:pPr lvl="3"/>
+            <a:r>
+              <a:rPr lang="en-US"/>
+              <a:t>Fourth level</a:t>
+            </a:r>
+          </a:p>
+          <a:p>
+            <a:pPr lvl="4"/>
+            <a:r>
+              <a:rPr lang="en-US"/>
+              <a:t>Fifth level</a:t>
+            </a:r>
+            <a:endParaRPr lang="it-IT"/>
+          </a:p>
+        </p:txBody>
+      </p:sp>
+      <p:sp>
+        <p:nvSpPr>
+          <p:cNvPr id="6" name="Footer Placeholder 5"/>
+          <p:cNvSpPr>
+            <a:spLocks noGrp="1"/>
+          </p:cNvSpPr>
+          <p:nvPr>
+            <p:ph type="ftr" sz="quarter" idx="4"/>
+          </p:nvPr>
+        </p:nvSpPr>
+        <p:spPr>
+          <a:xfrm>
+            <a:off x="0" y="8685213"/>
+            <a:ext cx="2971800" cy="458787"/>
+          </a:xfrm>
+          <a:prstGeom prst="rect">
+            <a:avLst/>
+          </a:prstGeom>
+        </p:spPr>
+        <p:txBody>
+          <a:bodyPr vert="horz" lIns="91440" tIns="45720" rIns="91440" bIns="45720" rtlCol="0" anchor="b"/>
+          <a:lstStyle>
+            <a:lvl1pPr algn="l">
+              <a:defRPr sz="1200"/>
+            </a:lvl1pPr>
+          </a:lstStyle>
+          <a:p>
+            <a:endParaRPr lang="it-IT"/>
+          </a:p>
+        </p:txBody>
+      </p:sp>
+      <p:sp>
+        <p:nvSpPr>
+          <p:cNvPr id="7" name="Slide Number Placeholder 6"/>
+          <p:cNvSpPr>
+            <a:spLocks noGrp="1"/>
+          </p:cNvSpPr>
+          <p:nvPr>
+            <p:ph type="sldNum" sz="quarter" idx="5"/>
+          </p:nvPr>
+        </p:nvSpPr>
+        <p:spPr>
+          <a:xfrm>
+            <a:off x="3884613" y="8685213"/>
+            <a:ext cx="2971800" cy="458787"/>
+          </a:xfrm>
+          <a:prstGeom prst="rect">
+            <a:avLst/>
+          </a:prstGeom>
+        </p:spPr>
+        <p:txBody>
+          <a:bodyPr vert="horz" lIns="91440" tIns="45720" rIns="91440" bIns="45720" rtlCol="0" anchor="b"/>
+          <a:lstStyle>
+            <a:lvl1pPr algn="r">
+              <a:defRPr sz="1200"/>
+            </a:lvl1pPr>
+          </a:lstStyle>
+          <a:p>
+            <a:fld id="{02C9559B-7610-40E2-97B6-433A34397736}" type="slidenum">
+              <a:rPr lang="it-IT" smtClean="0"/>
+              <a:t>‹#›</a:t>
+            </a:fld>
+            <a:endParaRPr lang="it-IT"/>
+          </a:p>
+        </p:txBody>
+      </p:sp>
+    </p:spTree>
+    <p:extLst>
+      <p:ext uri="{BB962C8B-B14F-4D97-AF65-F5344CB8AC3E}">
+        <p14:creationId xmlns:p14="http://schemas.microsoft.com/office/powerpoint/2010/main" val="3574649977"/>
+      </p:ext>
+    </p:extLst>
+  </p:cSld>
+  <p:clrMap bg1="lt1" tx1="dk1" bg2="lt2" tx2="dk2" accent1="accent1" accent2="accent2" accent3="accent3" accent4="accent4" accent5="accent5" accent6="accent6" hlink="hlink" folHlink="folHlink"/>
+  <p:notesStyle>
+    <a:lvl1pPr marL="0" algn="l" defTabSz="914400" rtl="0" eaLnBrk="1" latinLnBrk="0" hangingPunct="1">
+      <a:defRPr sz="1200" kern="1200">
+        <a:solidFill>
+          <a:schemeClr val="tx1"/>
+        </a:solidFill>
+        <a:latin typeface="+mn-lt"/>
+        <a:ea typeface="+mn-ea"/>
+        <a:cs typeface="+mn-cs"/>
+      </a:defRPr>
+    </a:lvl1pPr>
+    <a:lvl2pPr marL="457200" algn="l" defTabSz="914400" rtl="0" eaLnBrk="1" latinLnBrk="0" hangingPunct="1">
+      <a:defRPr sz="1200" kern="1200">
+        <a:solidFill>
+          <a:schemeClr val="tx1"/>
+        </a:solidFill>
+        <a:latin typeface="+mn-lt"/>
+        <a:ea typeface="+mn-ea"/>
+        <a:cs typeface="+mn-cs"/>
+      </a:defRPr>
+    </a:lvl2pPr>
+    <a:lvl3pPr marL="914400" algn="l" defTabSz="914400" rtl="0" eaLnBrk="1" latinLnBrk="0" hangingPunct="1">
+      <a:defRPr sz="1200" kern="1200">
+        <a:solidFill>
+          <a:schemeClr val="tx1"/>
+        </a:solidFill>
+        <a:latin typeface="+mn-lt"/>
+        <a:ea typeface="+mn-ea"/>
+        <a:cs typeface="+mn-cs"/>
+      </a:defRPr>
+    </a:lvl3pPr>
+    <a:lvl4pPr marL="1371600" algn="l" defTabSz="914400" rtl="0" eaLnBrk="1" latinLnBrk="0" hangingPunct="1">
+      <a:defRPr sz="1200" kern="1200">
+        <a:solidFill>
+          <a:schemeClr val="tx1"/>
+        </a:solidFill>
+        <a:latin typeface="+mn-lt"/>
+        <a:ea typeface="+mn-ea"/>
+        <a:cs typeface="+mn-cs"/>
+      </a:defRPr>
+    </a:lvl4pPr>
+    <a:lvl5pPr marL="1828800" algn="l" defTabSz="914400" rtl="0" eaLnBrk="1" latinLnBrk="0" hangingPunct="1">
+      <a:defRPr sz="1200" kern="1200">
+        <a:solidFill>
+          <a:schemeClr val="tx1"/>
+        </a:solidFill>
+        <a:latin typeface="+mn-lt"/>
+        <a:ea typeface="+mn-ea"/>
+        <a:cs typeface="+mn-cs"/>
+      </a:defRPr>
+    </a:lvl5pPr>
+    <a:lvl6pPr marL="2286000" algn="l" defTabSz="914400" rtl="0" eaLnBrk="1" latinLnBrk="0" hangingPunct="1">
+      <a:defRPr sz="1200" kern="1200">
+        <a:solidFill>
+          <a:schemeClr val="tx1"/>
+        </a:solidFill>
+        <a:latin typeface="+mn-lt"/>
+        <a:ea typeface="+mn-ea"/>
+        <a:cs typeface="+mn-cs"/>
+      </a:defRPr>
+    </a:lvl6pPr>
+    <a:lvl7pPr marL="2743200" algn="l" defTabSz="914400" rtl="0" eaLnBrk="1" latinLnBrk="0" hangingPunct="1">
+      <a:defRPr sz="1200" kern="1200">
+        <a:solidFill>
+          <a:schemeClr val="tx1"/>
+        </a:solidFill>
+        <a:latin typeface="+mn-lt"/>
+        <a:ea typeface="+mn-ea"/>
+        <a:cs typeface="+mn-cs"/>
+      </a:defRPr>
+    </a:lvl7pPr>
+    <a:lvl8pPr marL="3200400" algn="l" defTabSz="914400" rtl="0" eaLnBrk="1" latinLnBrk="0" hangingPunct="1">
+      <a:defRPr sz="1200" kern="1200">
+        <a:solidFill>
+          <a:schemeClr val="tx1"/>
+        </a:solidFill>
+        <a:latin typeface="+mn-lt"/>
+        <a:ea typeface="+mn-ea"/>
+        <a:cs typeface="+mn-cs"/>
+      </a:defRPr>
+    </a:lvl8pPr>
+    <a:lvl9pPr marL="3657600" algn="l" defTabSz="914400" rtl="0" eaLnBrk="1" latinLnBrk="0" hangingPunct="1">
+      <a:defRPr sz="1200" kern="1200">
+        <a:solidFill>
+          <a:schemeClr val="tx1"/>
+        </a:solidFill>
+        <a:latin typeface="+mn-lt"/>
+        <a:ea typeface="+mn-ea"/>
+        <a:cs typeface="+mn-cs"/>
+      </a:defRPr>
+    </a:lvl9pPr>
+  </p:notesStyle>
+</p:notesMaster>
+</file>
+
+<file path=ppt/notesSlides/notesSlide1.xml><?xml version="1.0" encoding="utf-8"?>
+<p:notes xmlns:a="http://schemas.openxmlformats.org/drawingml/2006/main" xmlns:r="http://schemas.openxmlformats.org/officeDocument/2006/relationships" xmlns:p="http://schemas.openxmlformats.org/presentationml/2006/main">
+  <p:cSld>
+    <p:spTree>
+      <p:nvGrpSpPr>
+        <p:cNvPr id="1" name=""/>
+        <p:cNvGrpSpPr/>
+        <p:nvPr/>
+      </p:nvGrpSpPr>
+      <p:grpSpPr>
+        <a:xfrm>
+          <a:off x="0" y="0"/>
+          <a:ext cx="0" cy="0"/>
+          <a:chOff x="0" y="0"/>
+          <a:chExt cx="0" cy="0"/>
+        </a:xfrm>
+      </p:grpSpPr>
+      <p:sp>
+        <p:nvSpPr>
+          <p:cNvPr id="2" name="Slide Image Placeholder 1"/>
+          <p:cNvSpPr>
+            <a:spLocks noGrp="1" noRot="1" noChangeAspect="1"/>
+          </p:cNvSpPr>
+          <p:nvPr>
+            <p:ph type="sldImg"/>
+          </p:nvPr>
+        </p:nvSpPr>
+        <p:spPr/>
+      </p:sp>
+      <p:sp>
+        <p:nvSpPr>
+          <p:cNvPr id="3" name="Notes Placeholder 2"/>
+          <p:cNvSpPr>
+            <a:spLocks noGrp="1"/>
+          </p:cNvSpPr>
+          <p:nvPr>
+            <p:ph type="body" idx="1"/>
+          </p:nvPr>
+        </p:nvSpPr>
+        <p:spPr/>
+        <p:txBody>
+          <a:bodyPr/>
+          <a:lstStyle/>
+          <a:p>
+            <a:endParaRPr lang="it-IT" dirty="0"/>
+          </a:p>
+        </p:txBody>
+      </p:sp>
+      <p:sp>
+        <p:nvSpPr>
+          <p:cNvPr id="4" name="Slide Number Placeholder 3"/>
+          <p:cNvSpPr>
+            <a:spLocks noGrp="1"/>
+          </p:cNvSpPr>
+          <p:nvPr>
+            <p:ph type="sldNum" sz="quarter" idx="5"/>
+          </p:nvPr>
+        </p:nvSpPr>
+        <p:spPr/>
+        <p:txBody>
+          <a:bodyPr/>
+          <a:lstStyle/>
+          <a:p>
+            <a:fld id="{02C9559B-7610-40E2-97B6-433A34397736}" type="slidenum">
+              <a:rPr lang="it-IT" smtClean="0"/>
+              <a:t>3</a:t>
+            </a:fld>
+            <a:endParaRPr lang="it-IT"/>
+          </a:p>
+        </p:txBody>
+      </p:sp>
+    </p:spTree>
+    <p:extLst>
+      <p:ext uri="{BB962C8B-B14F-4D97-AF65-F5344CB8AC3E}">
+        <p14:creationId xmlns:p14="http://schemas.microsoft.com/office/powerpoint/2010/main" val="4056884423"/>
+      </p:ext>
+    </p:extLst>
+  </p:cSld>
+  <p:clrMapOvr>
+    <a:masterClrMapping/>
+  </p:clrMapOvr>
+</p:notes>
+</file>
+
+<file path=ppt/notesSlides/notesSlide2.xml><?xml version="1.0" encoding="utf-8"?>
+<p:notes xmlns:a="http://schemas.openxmlformats.org/drawingml/2006/main" xmlns:r="http://schemas.openxmlformats.org/officeDocument/2006/relationships" xmlns:p="http://schemas.openxmlformats.org/presentationml/2006/main">
+  <p:cSld>
+    <p:spTree>
+      <p:nvGrpSpPr>
+        <p:cNvPr id="1" name=""/>
+        <p:cNvGrpSpPr/>
+        <p:nvPr/>
+      </p:nvGrpSpPr>
+      <p:grpSpPr>
+        <a:xfrm>
+          <a:off x="0" y="0"/>
+          <a:ext cx="0" cy="0"/>
+          <a:chOff x="0" y="0"/>
+          <a:chExt cx="0" cy="0"/>
+        </a:xfrm>
+      </p:grpSpPr>
+      <p:sp>
+        <p:nvSpPr>
+          <p:cNvPr id="2" name="Slide Image Placeholder 1"/>
+          <p:cNvSpPr>
+            <a:spLocks noGrp="1" noRot="1" noChangeAspect="1"/>
+          </p:cNvSpPr>
+          <p:nvPr>
+            <p:ph type="sldImg"/>
+          </p:nvPr>
+        </p:nvSpPr>
+        <p:spPr/>
+      </p:sp>
+      <p:sp>
+        <p:nvSpPr>
+          <p:cNvPr id="3" name="Notes Placeholder 2"/>
+          <p:cNvSpPr>
+            <a:spLocks noGrp="1"/>
+          </p:cNvSpPr>
+          <p:nvPr>
+            <p:ph type="body" idx="1"/>
+          </p:nvPr>
+        </p:nvSpPr>
+        <p:spPr/>
+        <p:txBody>
+          <a:bodyPr/>
+          <a:lstStyle/>
+          <a:p>
+            <a:endParaRPr lang="it-IT" dirty="0"/>
+          </a:p>
+        </p:txBody>
+      </p:sp>
+      <p:sp>
+        <p:nvSpPr>
+          <p:cNvPr id="4" name="Slide Number Placeholder 3"/>
+          <p:cNvSpPr>
+            <a:spLocks noGrp="1"/>
+          </p:cNvSpPr>
+          <p:nvPr>
+            <p:ph type="sldNum" sz="quarter" idx="5"/>
+          </p:nvPr>
+        </p:nvSpPr>
+        <p:spPr/>
+        <p:txBody>
+          <a:bodyPr/>
+          <a:lstStyle/>
+          <a:p>
+            <a:fld id="{02C9559B-7610-40E2-97B6-433A34397736}" type="slidenum">
+              <a:rPr lang="it-IT" smtClean="0"/>
+              <a:t>7</a:t>
+            </a:fld>
+            <a:endParaRPr lang="it-IT"/>
+          </a:p>
+        </p:txBody>
+      </p:sp>
+    </p:spTree>
+    <p:extLst>
+      <p:ext uri="{BB962C8B-B14F-4D97-AF65-F5344CB8AC3E}">
+        <p14:creationId xmlns:p14="http://schemas.microsoft.com/office/powerpoint/2010/main" val="1113330225"/>
+      </p:ext>
+    </p:extLst>
+  </p:cSld>
+  <p:clrMapOvr>
+    <a:masterClrMapping/>
+  </p:clrMapOvr>
+</p:notes>
 </file>
 
 <file path=ppt/slideLayouts/slideLayout1.xml><?xml version="1.0" encoding="utf-8"?>
@@ -3388,15 +3911,15 @@
         </p:nvSpPr>
         <p:spPr>
           <a:xfrm>
-            <a:off x="14045654" y="448310"/>
-            <a:ext cx="3213646" cy="580390"/>
+            <a:off x="14045653" y="448310"/>
+            <a:ext cx="3379951" cy="574196"/>
           </a:xfrm>
           <a:prstGeom prst="rect">
             <a:avLst/>
           </a:prstGeom>
         </p:spPr>
         <p:txBody>
-          <a:bodyPr lIns="0" tIns="0" rIns="0" bIns="0" rtlCol="0" anchor="t">
+          <a:bodyPr wrap="square" lIns="0" tIns="0" rIns="0" bIns="0" rtlCol="0" anchor="t">
             <a:spAutoFit/>
           </a:bodyPr>
           <a:lstStyle/>
@@ -3407,13 +3930,31 @@
               </a:lnSpc>
             </a:pPr>
             <a:r>
-              <a:rPr lang="en-US" sz="3399">
+              <a:rPr lang="en-US" sz="3399" dirty="0">
                 <a:solidFill>
                   <a:srgbClr val="000000"/>
                 </a:solidFill>
                 <a:latin typeface="Open Sans Light"/>
               </a:rPr>
-              <a:t>12 Ottobre 2021</a:t>
+              <a:t>19 </a:t>
+            </a:r>
+            <a:r>
+              <a:rPr lang="en-US" sz="3399" dirty="0" err="1">
+                <a:solidFill>
+                  <a:srgbClr val="000000"/>
+                </a:solidFill>
+                <a:latin typeface="Open Sans Light"/>
+              </a:rPr>
+              <a:t>Ottobre</a:t>
+            </a:r>
+            <a:r>
+              <a:rPr lang="en-US" sz="3399" dirty="0">
+                <a:solidFill>
+                  <a:srgbClr val="000000"/>
+                </a:solidFill>
+                <a:latin typeface="Open Sans Light"/>
+              </a:rPr>
+              <a:t> 2021</a:t>
             </a:r>
           </a:p>
         </p:txBody>
@@ -4032,7 +4573,7 @@
         </p:nvSpPr>
         <p:spPr>
           <a:xfrm>
-            <a:off x="1862082" y="4243052"/>
+            <a:off x="1772004" y="4243052"/>
             <a:ext cx="4640014" cy="467757"/>
           </a:xfrm>
           <a:prstGeom prst="rect">
@@ -4054,13 +4595,13 @@
               </a:spcBef>
             </a:pPr>
             <a:r>
-              <a:rPr lang="it-IT" sz="2750" dirty="0" err="1">
+              <a:rPr lang="it-IT" sz="2750" dirty="0">
                 <a:solidFill>
                   <a:srgbClr val="000000"/>
                 </a:solidFill>
                 <a:latin typeface="Open Sans Light"/>
               </a:rPr>
-              <a:t>Reinderizzare</a:t>
+              <a:t>Reindirizzare</a:t>
             </a:r>
             <a:r>
               <a:rPr lang="en-US" sz="2750" dirty="0">
@@ -4080,7 +4621,7 @@
               </a:rPr>
               <a:t>connessioni</a:t>
             </a:r>
-            <a:endParaRPr lang="en-US" dirty="0" err="1"/>
+            <a:endParaRPr lang="en-US" dirty="0"/>
           </a:p>
         </p:txBody>
       </p:sp>
@@ -4820,7 +5361,7 @@
         </p:nvGrpSpPr>
         <p:grpSpPr>
           <a:xfrm>
-            <a:off x="8629650" y="1157"/>
+            <a:off x="8629650" y="-15445"/>
             <a:ext cx="9658350" cy="10296525"/>
             <a:chOff x="0" y="0"/>
             <a:chExt cx="3267146" cy="3479800"/>
@@ -4997,7 +5538,7 @@
         </p:nvSpPr>
         <p:spPr>
           <a:xfrm>
-            <a:off x="0" y="516255"/>
+            <a:off x="-762000" y="-31055"/>
             <a:ext cx="7001675" cy="920115"/>
           </a:xfrm>
           <a:prstGeom prst="rect">
@@ -5016,7 +5557,7 @@
               </a:lnSpc>
             </a:pPr>
             <a:r>
-              <a:rPr lang="en-US" sz="5400">
+              <a:rPr lang="en-US" sz="5400" dirty="0" err="1">
                 <a:solidFill>
                   <a:srgbClr val="000000"/>
                 </a:solidFill>
@@ -5024,6 +5565,12 @@
               </a:rPr>
               <a:t>Introduzione</a:t>
             </a:r>
+            <a:endParaRPr lang="en-US" sz="5400" dirty="0">
+              <a:solidFill>
+                <a:srgbClr val="000000"/>
+              </a:solidFill>
+              <a:latin typeface="Open Sans Extra Bold"/>
+            </a:endParaRPr>
           </a:p>
         </p:txBody>
       </p:sp>
@@ -5035,7 +5582,7 @@
         </p:nvSpPr>
         <p:spPr>
           <a:xfrm>
-            <a:off x="514701" y="1884589"/>
+            <a:off x="403857" y="1875246"/>
             <a:ext cx="1955453" cy="877570"/>
           </a:xfrm>
           <a:prstGeom prst="rect">
@@ -5075,8 +5622,8 @@
         </p:nvSpPr>
         <p:spPr>
           <a:xfrm>
-            <a:off x="9079907" y="997963"/>
-            <a:ext cx="2212628" cy="877570"/>
+            <a:off x="9059336" y="-15445"/>
+            <a:ext cx="8301730" cy="872611"/>
           </a:xfrm>
           <a:prstGeom prst="rect">
             <a:avLst/>
@@ -5088,13 +5635,13 @@
           </a:bodyPr>
           <a:lstStyle/>
           <a:p>
-            <a:pPr algn="ctr">
+            <a:pPr>
               <a:lnSpc>
                 <a:spcPts val="7279"/>
               </a:lnSpc>
             </a:pPr>
             <a:r>
-              <a:rPr lang="en-US" sz="5150" dirty="0">
+              <a:rPr lang="en-US" sz="5150" dirty="0" err="1">
                 <a:solidFill>
                   <a:srgbClr val="FFFFFF"/>
                 </a:solidFill>
@@ -5102,8 +5649,16 @@
                 <a:ea typeface="Open Sans"/>
                 <a:cs typeface="Open Sans"/>
               </a:rPr>
-              <a:t>Server</a:t>
-            </a:r>
+              <a:t>DiscoveryServer</a:t>
+            </a:r>
+            <a:endParaRPr lang="en-US" sz="5150" dirty="0">
+              <a:solidFill>
+                <a:srgbClr val="FFFFFF"/>
+              </a:solidFill>
+              <a:latin typeface="Open Sans"/>
+              <a:ea typeface="Open Sans"/>
+              <a:cs typeface="Open Sans"/>
+            </a:endParaRPr>
           </a:p>
         </p:txBody>
       </p:sp>
@@ -5115,20 +5670,20 @@
         </p:nvSpPr>
         <p:spPr>
           <a:xfrm>
-            <a:off x="10566734" y="5194607"/>
-            <a:ext cx="5234583" cy="966290"/>
+            <a:off x="10795382" y="4223217"/>
+            <a:ext cx="6591395" cy="966290"/>
           </a:xfrm>
           <a:prstGeom prst="rect">
             <a:avLst/>
           </a:prstGeom>
         </p:spPr>
         <p:txBody>
-          <a:bodyPr lIns="0" tIns="0" rIns="0" bIns="0" rtlCol="0" anchor="t">
+          <a:bodyPr wrap="square" lIns="0" tIns="0" rIns="0" bIns="0" rtlCol="0" anchor="t">
             <a:spAutoFit/>
           </a:bodyPr>
           <a:lstStyle/>
           <a:p>
-            <a:pPr algn="ctr">
+            <a:pPr>
               <a:lnSpc>
                 <a:spcPts val="3863"/>
               </a:lnSpc>
@@ -5142,7 +5697,7 @@
                 <a:ea typeface="Open Sans Light"/>
                 <a:cs typeface="Open Sans Light"/>
               </a:rPr>
-              <a:t>Reinderizza</a:t>
+              <a:t>Reindirizza</a:t>
             </a:r>
             <a:r>
               <a:rPr lang="en-US" sz="2750" dirty="0">
@@ -5175,7 +5730,7 @@
                 <a:ea typeface="Open Sans Light"/>
                 <a:cs typeface="Open Sans Light"/>
               </a:rPr>
-              <a:t> porta del RS </a:t>
+              <a:t> porta del RS, se </a:t>
             </a:r>
             <a:r>
               <a:rPr lang="en-US" sz="2750" dirty="0" err="1">
@@ -5186,7 +5741,7 @@
                 <a:ea typeface="Open Sans Light"/>
                 <a:cs typeface="Open Sans Light"/>
               </a:rPr>
-              <a:t>richiesto</a:t>
+              <a:t>questo</a:t>
             </a:r>
             <a:r>
               <a:rPr lang="en-US" sz="2750" dirty="0">
@@ -5197,7 +5752,7 @@
                 <a:ea typeface="Open Sans Light"/>
                 <a:cs typeface="Open Sans Light"/>
               </a:rPr>
-              <a:t> se </a:t>
+              <a:t> </a:t>
             </a:r>
             <a:r>
               <a:rPr lang="en-US" sz="2750" dirty="0" err="1">
@@ -5210,7 +5765,7 @@
               </a:rPr>
               <a:t>esiste</a:t>
             </a:r>
-            <a:endParaRPr lang="en-US" sz="2759" dirty="0" err="1">
+            <a:endParaRPr lang="en-US" sz="2759" dirty="0">
               <a:solidFill>
                 <a:srgbClr val="FFFFFF"/>
               </a:solidFill>
@@ -5349,8 +5904,8 @@
         </p:nvSpPr>
         <p:spPr>
           <a:xfrm>
-            <a:off x="1950797" y="3602934"/>
-            <a:ext cx="3312765" cy="463314"/>
+            <a:off x="1924293" y="3374936"/>
+            <a:ext cx="6506031" cy="966290"/>
           </a:xfrm>
           <a:prstGeom prst="rect">
             <a:avLst/>
@@ -5362,7 +5917,7 @@
           </a:bodyPr>
           <a:lstStyle/>
           <a:p>
-            <a:pPr algn="ctr">
+            <a:pPr>
               <a:lnSpc>
                 <a:spcPts val="3863"/>
               </a:lnSpc>
@@ -5390,7 +5945,73 @@
                 <a:ea typeface="Open Sans Light"/>
                 <a:cs typeface="Open Sans Light"/>
               </a:rPr>
-              <a:t> al DS un file</a:t>
+              <a:t> al DS dove </a:t>
+            </a:r>
+            <a:r>
+              <a:rPr lang="en-US" sz="2750" dirty="0" err="1">
+                <a:solidFill>
+                  <a:srgbClr val="000000"/>
+                </a:solidFill>
+                <a:latin typeface="Open Sans Light"/>
+                <a:ea typeface="Open Sans Light"/>
+                <a:cs typeface="Open Sans Light"/>
+              </a:rPr>
+              <a:t>si</a:t>
+            </a:r>
+            <a:r>
+              <a:rPr lang="en-US" sz="2750" dirty="0">
+                <a:solidFill>
+                  <a:srgbClr val="000000"/>
+                </a:solidFill>
+                <a:latin typeface="Open Sans Light"/>
+                <a:ea typeface="Open Sans Light"/>
+                <a:cs typeface="Open Sans Light"/>
+              </a:rPr>
+              <a:t> </a:t>
+            </a:r>
+            <a:r>
+              <a:rPr lang="en-US" sz="2750" dirty="0" err="1">
+                <a:solidFill>
+                  <a:srgbClr val="000000"/>
+                </a:solidFill>
+                <a:latin typeface="Open Sans Light"/>
+                <a:ea typeface="Open Sans Light"/>
+                <a:cs typeface="Open Sans Light"/>
+              </a:rPr>
+              <a:t>trova</a:t>
+            </a:r>
+            <a:r>
+              <a:rPr lang="en-US" sz="2750" dirty="0">
+                <a:solidFill>
+                  <a:srgbClr val="000000"/>
+                </a:solidFill>
+                <a:latin typeface="Open Sans Light"/>
+                <a:ea typeface="Open Sans Light"/>
+                <a:cs typeface="Open Sans Light"/>
+              </a:rPr>
+              <a:t> il RS </a:t>
+            </a:r>
+            <a:r>
+              <a:rPr lang="en-US" sz="2750" dirty="0" err="1">
+                <a:solidFill>
+                  <a:srgbClr val="000000"/>
+                </a:solidFill>
+                <a:latin typeface="Open Sans Light"/>
+                <a:ea typeface="Open Sans Light"/>
+                <a:cs typeface="Open Sans Light"/>
+              </a:rPr>
+              <a:t>corrispondente</a:t>
+            </a:r>
+            <a:r>
+              <a:rPr lang="en-US" sz="2750" dirty="0">
+                <a:solidFill>
+                  <a:srgbClr val="000000"/>
+                </a:solidFill>
+                <a:latin typeface="Open Sans Light"/>
+                <a:ea typeface="Open Sans Light"/>
+                <a:cs typeface="Open Sans Light"/>
+              </a:rPr>
+              <a:t> al file (quale porta)</a:t>
             </a:r>
           </a:p>
         </p:txBody>
@@ -5526,7 +6147,7 @@
         <p:spPr>
           <a:xfrm>
             <a:off x="1950797" y="5361559"/>
-            <a:ext cx="3948559" cy="966290"/>
+            <a:ext cx="5745403" cy="966290"/>
           </a:xfrm>
           <a:prstGeom prst="rect">
             <a:avLst/>
@@ -5538,7 +6159,7 @@
           </a:bodyPr>
           <a:lstStyle/>
           <a:p>
-            <a:pPr algn="ctr">
+            <a:pPr>
               <a:lnSpc>
                 <a:spcPts val="3863"/>
               </a:lnSpc>
@@ -5547,7 +6168,7 @@
               </a:spcBef>
             </a:pPr>
             <a:r>
-              <a:rPr lang="en-US" sz="2750" dirty="0">
+              <a:rPr lang="en-US" sz="2750" dirty="0" err="1">
                 <a:solidFill>
                   <a:srgbClr val="000000"/>
                 </a:solidFill>
@@ -5555,10 +6176,10 @@
                 <a:ea typeface="Open Sans Light"/>
                 <a:cs typeface="Open Sans Light"/>
               </a:rPr>
-              <a:t>Scrive al nuovo </a:t>
-            </a:r>
-            <a:r>
-              <a:rPr lang="en-US" sz="2750" dirty="0" err="1">
+              <a:t>Chiede</a:t>
+            </a:r>
+            <a:r>
+              <a:rPr lang="en-US" sz="2750" dirty="0">
                 <a:solidFill>
                   <a:srgbClr val="000000"/>
                 </a:solidFill>
@@ -5566,10 +6187,10 @@
                 <a:ea typeface="Open Sans Light"/>
                 <a:cs typeface="Open Sans Light"/>
               </a:rPr>
-              <a:t>indirizzo</a:t>
-            </a:r>
-            <a:r>
-              <a:rPr lang="en-US" sz="2750" dirty="0">
+              <a:t> </a:t>
+            </a:r>
+            <a:r>
+              <a:rPr lang="en-US" sz="2750" dirty="0" err="1">
                 <a:solidFill>
                   <a:srgbClr val="000000"/>
                 </a:solidFill>
@@ -5577,10 +6198,10 @@
                 <a:ea typeface="Open Sans Light"/>
                 <a:cs typeface="Open Sans Light"/>
               </a:rPr>
-              <a:t> </a:t>
-            </a:r>
-            <a:r>
-              <a:rPr lang="en-US" sz="2750" dirty="0" err="1">
+              <a:t>all’utente</a:t>
+            </a:r>
+            <a:r>
+              <a:rPr lang="en-US" sz="2750" dirty="0">
                 <a:solidFill>
                   <a:srgbClr val="000000"/>
                 </a:solidFill>
@@ -5588,8 +6209,93 @@
                 <a:ea typeface="Open Sans Light"/>
                 <a:cs typeface="Open Sans Light"/>
               </a:rPr>
-              <a:t>ricevuto</a:t>
-            </a:r>
+              <a:t> quale </a:t>
+            </a:r>
+            <a:r>
+              <a:rPr lang="en-US" sz="2750" dirty="0" err="1">
+                <a:solidFill>
+                  <a:srgbClr val="000000"/>
+                </a:solidFill>
+                <a:latin typeface="Open Sans Light"/>
+                <a:ea typeface="Open Sans Light"/>
+                <a:cs typeface="Open Sans Light"/>
+              </a:rPr>
+              <a:t>linee</a:t>
+            </a:r>
+            <a:r>
+              <a:rPr lang="en-US" sz="2750" dirty="0">
+                <a:solidFill>
+                  <a:srgbClr val="000000"/>
+                </a:solidFill>
+                <a:latin typeface="Open Sans Light"/>
+                <a:ea typeface="Open Sans Light"/>
+                <a:cs typeface="Open Sans Light"/>
+              </a:rPr>
+              <a:t> </a:t>
+            </a:r>
+            <a:r>
+              <a:rPr lang="en-US" sz="2750" dirty="0" err="1">
+                <a:solidFill>
+                  <a:srgbClr val="000000"/>
+                </a:solidFill>
+                <a:latin typeface="Open Sans Light"/>
+                <a:ea typeface="Open Sans Light"/>
+                <a:cs typeface="Open Sans Light"/>
+              </a:rPr>
+              <a:t>devono</a:t>
+            </a:r>
+            <a:r>
+              <a:rPr lang="en-US" sz="2750" dirty="0">
+                <a:solidFill>
+                  <a:srgbClr val="000000"/>
+                </a:solidFill>
+                <a:latin typeface="Open Sans Light"/>
+                <a:ea typeface="Open Sans Light"/>
+                <a:cs typeface="Open Sans Light"/>
+              </a:rPr>
+              <a:t> </a:t>
+            </a:r>
+            <a:r>
+              <a:rPr lang="en-US" sz="2750" dirty="0" err="1">
+                <a:solidFill>
+                  <a:srgbClr val="000000"/>
+                </a:solidFill>
+                <a:latin typeface="Open Sans Light"/>
+                <a:ea typeface="Open Sans Light"/>
+                <a:cs typeface="Open Sans Light"/>
+              </a:rPr>
+              <a:t>essere</a:t>
+            </a:r>
+            <a:r>
+              <a:rPr lang="en-US" sz="2750" dirty="0">
+                <a:solidFill>
+                  <a:srgbClr val="000000"/>
+                </a:solidFill>
+                <a:latin typeface="Open Sans Light"/>
+                <a:ea typeface="Open Sans Light"/>
+                <a:cs typeface="Open Sans Light"/>
+              </a:rPr>
+              <a:t> </a:t>
+            </a:r>
+            <a:r>
+              <a:rPr lang="en-US" sz="2750" dirty="0" err="1">
+                <a:solidFill>
+                  <a:srgbClr val="000000"/>
+                </a:solidFill>
+                <a:latin typeface="Open Sans Light"/>
+                <a:ea typeface="Open Sans Light"/>
+                <a:cs typeface="Open Sans Light"/>
+              </a:rPr>
+              <a:t>invertite</a:t>
+            </a:r>
+            <a:endParaRPr lang="en-US" sz="2750" dirty="0">
+              <a:solidFill>
+                <a:srgbClr val="000000"/>
+              </a:solidFill>
+              <a:latin typeface="Open Sans Light"/>
+              <a:ea typeface="Open Sans Light"/>
+              <a:cs typeface="Open Sans Light"/>
+            </a:endParaRPr>
           </a:p>
         </p:txBody>
       </p:sp>
@@ -5724,19 +6430,19 @@
         <p:spPr>
           <a:xfrm>
             <a:off x="1950797" y="7402225"/>
-            <a:ext cx="3822353" cy="966290"/>
+            <a:ext cx="5470579" cy="966290"/>
           </a:xfrm>
           <a:prstGeom prst="rect">
             <a:avLst/>
           </a:prstGeom>
         </p:spPr>
         <p:txBody>
-          <a:bodyPr lIns="0" tIns="0" rIns="0" bIns="0" rtlCol="0" anchor="t">
+          <a:bodyPr wrap="square" lIns="0" tIns="0" rIns="0" bIns="0" rtlCol="0" anchor="t">
             <a:spAutoFit/>
           </a:bodyPr>
           <a:lstStyle/>
           <a:p>
-            <a:pPr algn="ctr">
+            <a:pPr>
               <a:lnSpc>
                 <a:spcPts val="3863"/>
               </a:lnSpc>
@@ -5764,7 +6470,29 @@
                 <a:ea typeface="Open Sans Light"/>
                 <a:cs typeface="Open Sans Light"/>
               </a:rPr>
-              <a:t> lo swap di due </a:t>
+              <a:t> al RS lo swap </a:t>
+            </a:r>
+            <a:r>
+              <a:rPr lang="en-US" sz="2750" dirty="0" err="1">
+                <a:solidFill>
+                  <a:srgbClr val="000000"/>
+                </a:solidFill>
+                <a:latin typeface="Open Sans Light"/>
+                <a:ea typeface="Open Sans Light"/>
+                <a:cs typeface="Open Sans Light"/>
+              </a:rPr>
+              <a:t>delle</a:t>
+            </a:r>
+            <a:r>
+              <a:rPr lang="en-US" sz="2750" dirty="0">
+                <a:solidFill>
+                  <a:srgbClr val="000000"/>
+                </a:solidFill>
+                <a:latin typeface="Open Sans Light"/>
+                <a:ea typeface="Open Sans Light"/>
+                <a:cs typeface="Open Sans Light"/>
+              </a:rPr>
+              <a:t> due </a:t>
             </a:r>
             <a:r>
               <a:rPr lang="en-US" sz="2750" dirty="0" err="1">
@@ -5799,7 +6527,7 @@
         </p:nvGrpSpPr>
         <p:grpSpPr>
           <a:xfrm>
-            <a:off x="9067141" y="2123835"/>
+            <a:off x="9046570" y="1110427"/>
             <a:ext cx="1289957" cy="1289957"/>
             <a:chOff x="0" y="0"/>
             <a:chExt cx="1719943" cy="1719943"/>
@@ -5921,7 +6649,7 @@
         </p:nvGrpSpPr>
         <p:grpSpPr>
           <a:xfrm>
-            <a:off x="9077823" y="5132818"/>
+            <a:off x="9057252" y="4119410"/>
             <a:ext cx="1289957" cy="1289957"/>
             <a:chOff x="0" y="0"/>
             <a:chExt cx="1719943" cy="1719943"/>
@@ -6155,7 +6883,7 @@
                   <a:ea typeface="Open Sans Light Bold"/>
                   <a:cs typeface="Open Sans Light Bold"/>
                 </a:rPr>
-                <a:t>4</a:t>
+                <a:t>1</a:t>
               </a:r>
             </a:p>
           </p:txBody>
@@ -6169,8 +6897,8 @@
         </p:nvSpPr>
         <p:spPr>
           <a:xfrm>
-            <a:off x="10824685" y="2327474"/>
-            <a:ext cx="4432399" cy="966290"/>
+            <a:off x="10804114" y="1314066"/>
+            <a:ext cx="6591395" cy="966290"/>
           </a:xfrm>
           <a:prstGeom prst="rect">
             <a:avLst/>
@@ -6182,7 +6910,7 @@
           </a:bodyPr>
           <a:lstStyle/>
           <a:p>
-            <a:pPr algn="ctr">
+            <a:pPr>
               <a:lnSpc>
                 <a:spcPts val="3863"/>
               </a:lnSpc>
@@ -6197,7 +6925,7 @@
                 </a:solidFill>
                 <a:latin typeface="Open Sans Light"/>
               </a:rPr>
-              <a:t>Crea thread RS per </a:t>
+              <a:t>Crea thread RS (</a:t>
             </a:r>
             <a:r>
               <a:rPr lang="en-US" sz="2750" dirty="0" err="1">
@@ -6206,6 +6934,24 @@
                 </a:solidFill>
                 <a:latin typeface="Open Sans Light"/>
               </a:rPr>
+              <a:t>RowSwapServer</a:t>
+            </a:r>
+            <a:r>
+              <a:rPr lang="en-US" sz="2750" dirty="0">
+                <a:solidFill>
+                  <a:srgbClr val="FFFFFF"/>
+                </a:solidFill>
+                <a:latin typeface="Open Sans Light"/>
+              </a:rPr>
+              <a:t>) per </a:t>
+            </a:r>
+            <a:r>
+              <a:rPr lang="en-US" sz="2750" dirty="0" err="1">
+                <a:solidFill>
+                  <a:srgbClr val="FFFFFF"/>
+                </a:solidFill>
+                <a:latin typeface="Open Sans Light"/>
+              </a:rPr>
               <a:t>ogni</a:t>
             </a:r>
             <a:r>
@@ -6226,7 +6972,7 @@
               </a:rPr>
               <a:t>disponibile</a:t>
             </a:r>
-            <a:endParaRPr lang="en-US" sz="2750" dirty="0" err="1">
+            <a:endParaRPr lang="en-US" sz="2750" dirty="0">
               <a:solidFill>
                 <a:srgbClr val="FFFFFF"/>
               </a:solidFill>
@@ -6251,7 +6997,7 @@
         </p:nvGrpSpPr>
         <p:grpSpPr>
           <a:xfrm>
-            <a:off x="9070019" y="3605257"/>
+            <a:off x="9049448" y="2591849"/>
             <a:ext cx="1284201" cy="1289957"/>
             <a:chOff x="3837" y="0"/>
             <a:chExt cx="1712268" cy="1719943"/>
@@ -6397,20 +7143,20 @@
         </p:nvSpPr>
         <p:spPr>
           <a:xfrm>
-            <a:off x="10822750" y="3686629"/>
-            <a:ext cx="4702969" cy="966290"/>
+            <a:off x="10802537" y="2733117"/>
+            <a:ext cx="6169492" cy="966290"/>
           </a:xfrm>
           <a:prstGeom prst="rect">
             <a:avLst/>
           </a:prstGeom>
         </p:spPr>
         <p:txBody>
-          <a:bodyPr lIns="0" tIns="0" rIns="0" bIns="0" rtlCol="0" anchor="t">
+          <a:bodyPr wrap="square" lIns="0" tIns="0" rIns="0" bIns="0" rtlCol="0" anchor="t">
             <a:spAutoFit/>
           </a:bodyPr>
           <a:lstStyle/>
           <a:p>
-            <a:pPr algn="ctr">
+            <a:pPr>
               <a:lnSpc>
                 <a:spcPts val="3863"/>
               </a:lnSpc>
@@ -6485,7 +7231,7 @@
                 </a:solidFill>
                 <a:latin typeface="Open Sans Light"/>
               </a:rPr>
-              <a:t>parte</a:t>
+              <a:t>partedei</a:t>
             </a:r>
             <a:r>
               <a:rPr lang="en-US" sz="2750" dirty="0">
@@ -6494,7 +7240,7 @@
                 </a:solidFill>
                 <a:latin typeface="Open Sans Light"/>
               </a:rPr>
-              <a:t> del client</a:t>
+              <a:t> client</a:t>
             </a:r>
             <a:endParaRPr lang="en-US" sz="2750" dirty="0">
               <a:solidFill>
@@ -6649,7 +7395,7 @@
                   <a:ea typeface="Open Sans Light Bold"/>
                   <a:cs typeface="Open Sans Light Bold"/>
                 </a:rPr>
-                <a:t>5</a:t>
+                <a:t>2</a:t>
               </a:r>
             </a:p>
           </p:txBody>
@@ -6669,20 +7415,20 @@
         </p:nvSpPr>
         <p:spPr>
           <a:xfrm>
-            <a:off x="10662874" y="8100177"/>
-            <a:ext cx="5234583" cy="966290"/>
+            <a:off x="10823108" y="8240767"/>
+            <a:ext cx="6169492" cy="966290"/>
           </a:xfrm>
           <a:prstGeom prst="rect">
             <a:avLst/>
           </a:prstGeom>
         </p:spPr>
         <p:txBody>
-          <a:bodyPr lIns="0" tIns="0" rIns="0" bIns="0" rtlCol="0" anchor="t">
+          <a:bodyPr wrap="square" lIns="0" tIns="0" rIns="0" bIns="0" rtlCol="0" anchor="t">
             <a:spAutoFit/>
           </a:bodyPr>
           <a:lstStyle/>
           <a:p>
-            <a:pPr algn="ctr">
+            <a:pPr>
               <a:lnSpc>
                 <a:spcPts val="3863"/>
               </a:lnSpc>
@@ -6751,7 +7497,29 @@
                 <a:ea typeface="Open Sans Light"/>
                 <a:cs typeface="Open Sans Light"/>
               </a:rPr>
-              <a:t> dal client</a:t>
+              <a:t> </a:t>
+            </a:r>
+            <a:r>
+              <a:rPr lang="en-US" sz="2750" dirty="0" err="1">
+                <a:solidFill>
+                  <a:srgbClr val="FFFFFF"/>
+                </a:solidFill>
+                <a:latin typeface="Open Sans Light"/>
+                <a:ea typeface="Open Sans Light"/>
+                <a:cs typeface="Open Sans Light"/>
+              </a:rPr>
+              <a:t>dai</a:t>
+            </a:r>
+            <a:r>
+              <a:rPr lang="en-US" sz="2750" dirty="0">
+                <a:solidFill>
+                  <a:srgbClr val="FFFFFF"/>
+                </a:solidFill>
+                <a:latin typeface="Open Sans Light"/>
+                <a:ea typeface="Open Sans Light"/>
+                <a:cs typeface="Open Sans Light"/>
+              </a:rPr>
+              <a:t> client</a:t>
             </a:r>
           </a:p>
         </p:txBody>
@@ -6770,20 +7538,20 @@
         </p:nvSpPr>
         <p:spPr>
           <a:xfrm>
-            <a:off x="10823108" y="6593981"/>
-            <a:ext cx="5234583" cy="966290"/>
+            <a:off x="10802537" y="6951079"/>
+            <a:ext cx="6598550" cy="466153"/>
           </a:xfrm>
           <a:prstGeom prst="rect">
             <a:avLst/>
           </a:prstGeom>
         </p:spPr>
         <p:txBody>
-          <a:bodyPr lIns="0" tIns="0" rIns="0" bIns="0" rtlCol="0" anchor="t">
+          <a:bodyPr wrap="square" lIns="0" tIns="0" rIns="0" bIns="0" rtlCol="0" anchor="t">
             <a:spAutoFit/>
           </a:bodyPr>
           <a:lstStyle/>
           <a:p>
-            <a:pPr algn="ctr">
+            <a:pPr>
               <a:lnSpc>
                 <a:spcPts val="3863"/>
               </a:lnSpc>
@@ -6841,7 +7609,7 @@
                 <a:ea typeface="Open Sans Light"/>
                 <a:cs typeface="Open Sans Light"/>
               </a:rPr>
-              <a:t> di </a:t>
+              <a:t> </a:t>
             </a:r>
             <a:r>
               <a:rPr lang="en-US" sz="2750" dirty="0" err="1">
@@ -6852,7 +7620,7 @@
                 <a:ea typeface="Open Sans Light"/>
                 <a:cs typeface="Open Sans Light"/>
               </a:rPr>
-              <a:t>richieste</a:t>
+              <a:t>delle</a:t>
             </a:r>
             <a:r>
               <a:rPr lang="en-US" sz="2750" dirty="0">
@@ -6863,7 +7631,7 @@
                 <a:ea typeface="Open Sans Light"/>
                 <a:cs typeface="Open Sans Light"/>
               </a:rPr>
-              <a:t> da </a:t>
+              <a:t> </a:t>
             </a:r>
             <a:r>
               <a:rPr lang="en-US" sz="2750" dirty="0" err="1">
@@ -6874,19 +7642,71 @@
                 <a:ea typeface="Open Sans Light"/>
                 <a:cs typeface="Open Sans Light"/>
               </a:rPr>
-              <a:t>parte</a:t>
-            </a:r>
-            <a:r>
-              <a:rPr lang="en-US" sz="2750" dirty="0">
+              <a:t>richieste</a:t>
+            </a:r>
+            <a:endParaRPr lang="en-US" sz="2750" dirty="0">
+              <a:solidFill>
+                <a:srgbClr val="FFFFFF"/>
+              </a:solidFill>
+              <a:latin typeface="Open Sans Light"/>
+              <a:ea typeface="Open Sans Light"/>
+              <a:cs typeface="Open Sans Light"/>
+            </a:endParaRPr>
+          </a:p>
+        </p:txBody>
+      </p:sp>
+      <p:sp>
+        <p:nvSpPr>
+          <p:cNvPr id="53" name="TextBox 52">
+            <a:extLst>
+              <a:ext uri="{FF2B5EF4-FFF2-40B4-BE49-F238E27FC236}">
+                <a16:creationId xmlns:a16="http://schemas.microsoft.com/office/drawing/2014/main" id="{2030AEA5-DC2B-428D-948A-21DDBEC6BD32}"/>
+              </a:ext>
+            </a:extLst>
+          </p:cNvPr>
+          <p:cNvSpPr txBox="1"/>
+          <p:nvPr/>
+        </p:nvSpPr>
+        <p:spPr>
+          <a:xfrm>
+            <a:off x="9049448" y="5378314"/>
+            <a:ext cx="8490124" cy="964944"/>
+          </a:xfrm>
+          <a:prstGeom prst="rect">
+            <a:avLst/>
+          </a:prstGeom>
+          <a:noFill/>
+        </p:spPr>
+        <p:txBody>
+          <a:bodyPr wrap="square">
+            <a:spAutoFit/>
+          </a:bodyPr>
+          <a:lstStyle/>
+          <a:p>
+            <a:pPr>
+              <a:lnSpc>
+                <a:spcPts val="7279"/>
+              </a:lnSpc>
+            </a:pPr>
+            <a:r>
+              <a:rPr lang="en-US" sz="5150" dirty="0" err="1">
                 <a:solidFill>
                   <a:srgbClr val="FFFFFF"/>
                 </a:solidFill>
-                <a:latin typeface="Open Sans Light"/>
-                <a:ea typeface="Open Sans Light"/>
-                <a:cs typeface="Open Sans Light"/>
-              </a:rPr>
-              <a:t> del client</a:t>
-            </a:r>
+                <a:latin typeface="Open Sans"/>
+                <a:ea typeface="Open Sans"/>
+                <a:cs typeface="Open Sans"/>
+              </a:rPr>
+              <a:t>RowSwapServer</a:t>
+            </a:r>
+            <a:endParaRPr lang="en-US" sz="5150" dirty="0">
+              <a:solidFill>
+                <a:srgbClr val="FFFFFF"/>
+              </a:solidFill>
+              <a:latin typeface="Open Sans"/>
+              <a:ea typeface="Open Sans"/>
+              <a:cs typeface="Open Sans"/>
+            </a:endParaRPr>
           </a:p>
         </p:txBody>
       </p:sp>
@@ -6899,229 +7719,6 @@
 </file>
 
 <file path=ppt/slides/slide4.xml><?xml version="1.0" encoding="utf-8"?>
-<p:sld xmlns:a="http://schemas.openxmlformats.org/drawingml/2006/main" xmlns:r="http://schemas.openxmlformats.org/officeDocument/2006/relationships" xmlns:p="http://schemas.openxmlformats.org/presentationml/2006/main">
-  <p:cSld>
-    <p:bg>
-      <p:bgPr>
-        <a:solidFill>
-          <a:srgbClr val="FF914D"/>
-        </a:solidFill>
-        <a:effectLst/>
-      </p:bgPr>
-    </p:bg>
-    <p:spTree>
-      <p:nvGrpSpPr>
-        <p:cNvPr id="1" name=""/>
-        <p:cNvGrpSpPr/>
-        <p:nvPr/>
-      </p:nvGrpSpPr>
-      <p:grpSpPr>
-        <a:xfrm>
-          <a:off x="0" y="0"/>
-          <a:ext cx="0" cy="0"/>
-          <a:chOff x="0" y="0"/>
-          <a:chExt cx="0" cy="0"/>
-        </a:xfrm>
-      </p:grpSpPr>
-      <p:sp>
-        <p:nvSpPr>
-          <p:cNvPr id="8" name="TextBox 8"/>
-          <p:cNvSpPr txBox="1"/>
-          <p:nvPr/>
-        </p:nvSpPr>
-        <p:spPr>
-          <a:xfrm>
-            <a:off x="350490" y="569687"/>
-            <a:ext cx="6214170" cy="920115"/>
-          </a:xfrm>
-          <a:prstGeom prst="rect">
-            <a:avLst/>
-          </a:prstGeom>
-        </p:spPr>
-        <p:txBody>
-          <a:bodyPr lIns="0" tIns="0" rIns="0" bIns="0" rtlCol="0" anchor="t">
-            <a:spAutoFit/>
-          </a:bodyPr>
-          <a:lstStyle/>
-          <a:p>
-            <a:pPr algn="just">
-              <a:lnSpc>
-                <a:spcPts val="7559"/>
-              </a:lnSpc>
-            </a:pPr>
-            <a:r>
-              <a:rPr lang="en-US" sz="5400">
-                <a:solidFill>
-                  <a:srgbClr val="000000"/>
-                </a:solidFill>
-                <a:latin typeface="Open Sans Extra Bold"/>
-              </a:rPr>
-              <a:t>Implementazione</a:t>
-            </a:r>
-          </a:p>
-        </p:txBody>
-      </p:sp>
-      <p:sp>
-        <p:nvSpPr>
-          <p:cNvPr id="9" name="TextBox 9"/>
-          <p:cNvSpPr txBox="1"/>
-          <p:nvPr/>
-        </p:nvSpPr>
-        <p:spPr>
-          <a:xfrm>
-            <a:off x="350490" y="1884589"/>
-            <a:ext cx="5470497" cy="887095"/>
-          </a:xfrm>
-          <a:prstGeom prst="rect">
-            <a:avLst/>
-          </a:prstGeom>
-        </p:spPr>
-        <p:txBody>
-          <a:bodyPr lIns="0" tIns="0" rIns="0" bIns="0" rtlCol="0" anchor="t">
-            <a:spAutoFit/>
-          </a:bodyPr>
-          <a:lstStyle/>
-          <a:p>
-            <a:pPr algn="ctr">
-              <a:lnSpc>
-                <a:spcPts val="7279"/>
-              </a:lnSpc>
-            </a:pPr>
-            <a:r>
-              <a:rPr lang="en-US" sz="5150" dirty="0">
-                <a:solidFill>
-                  <a:srgbClr val="000000"/>
-                </a:solidFill>
-                <a:latin typeface="Open Sans"/>
-              </a:rPr>
-              <a:t>Client</a:t>
-            </a:r>
-            <a:endParaRPr lang="en-US" sz="5150" dirty="0">
-              <a:solidFill>
-                <a:srgbClr val="000000"/>
-              </a:solidFill>
-              <a:latin typeface="Open Sans"/>
-              <a:ea typeface="Open Sans"/>
-              <a:cs typeface="Open Sans"/>
-            </a:endParaRPr>
-          </a:p>
-        </p:txBody>
-      </p:sp>
-      <p:sp>
-        <p:nvSpPr>
-          <p:cNvPr id="12" name="Freeform 6">
-            <a:extLst>
-              <a:ext uri="{FF2B5EF4-FFF2-40B4-BE49-F238E27FC236}">
-                <a16:creationId xmlns:a16="http://schemas.microsoft.com/office/drawing/2014/main" id="{A0ABDFDF-5E22-4A3E-9C05-8E044FAE5004}"/>
-              </a:ext>
-            </a:extLst>
-          </p:cNvPr>
-          <p:cNvSpPr/>
-          <p:nvPr/>
-        </p:nvSpPr>
-        <p:spPr>
-          <a:xfrm>
-            <a:off x="16651643" y="8740635"/>
-            <a:ext cx="1284201" cy="1289957"/>
-          </a:xfrm>
-          <a:custGeom>
-            <a:avLst/>
-            <a:gdLst/>
-            <a:ahLst/>
-            <a:cxnLst/>
-            <a:rect l="l" t="t" r="r" b="b"/>
-            <a:pathLst>
-              <a:path w="6321665" h="6350000">
-                <a:moveTo>
-                  <a:pt x="3160833" y="0"/>
-                </a:moveTo>
-                <a:lnTo>
-                  <a:pt x="3160833" y="0"/>
-                </a:lnTo>
-                <a:cubicBezTo>
-                  <a:pt x="4908795" y="7817"/>
-                  <a:pt x="6321666" y="1427021"/>
-                  <a:pt x="6321666" y="3175000"/>
-                </a:cubicBezTo>
-                <a:cubicBezTo>
-                  <a:pt x="6321666" y="4922979"/>
-                  <a:pt x="4908795" y="6342183"/>
-                  <a:pt x="3160833" y="6350000"/>
-                </a:cubicBezTo>
-                <a:cubicBezTo>
-                  <a:pt x="1412871" y="6342183"/>
-                  <a:pt x="0" y="4922979"/>
-                  <a:pt x="0" y="3175000"/>
-                </a:cubicBezTo>
-                <a:cubicBezTo>
-                  <a:pt x="0" y="1427021"/>
-                  <a:pt x="1412871" y="7817"/>
-                  <a:pt x="3160833" y="0"/>
-                </a:cubicBezTo>
-                <a:close/>
-              </a:path>
-            </a:pathLst>
-          </a:custGeom>
-          <a:solidFill>
-            <a:srgbClr val="004AAD"/>
-          </a:solidFill>
-        </p:spPr>
-      </p:sp>
-      <p:sp>
-        <p:nvSpPr>
-          <p:cNvPr id="16" name="TextBox 7">
-            <a:extLst>
-              <a:ext uri="{FF2B5EF4-FFF2-40B4-BE49-F238E27FC236}">
-                <a16:creationId xmlns:a16="http://schemas.microsoft.com/office/drawing/2014/main" id="{FCA07814-66BA-4AB3-BE34-009A74638661}"/>
-              </a:ext>
-            </a:extLst>
-          </p:cNvPr>
-          <p:cNvSpPr txBox="1"/>
-          <p:nvPr/>
-        </p:nvSpPr>
-        <p:spPr>
-          <a:xfrm>
-            <a:off x="17171407" y="9078750"/>
-            <a:ext cx="244673" cy="572593"/>
-          </a:xfrm>
-          <a:prstGeom prst="rect">
-            <a:avLst/>
-          </a:prstGeom>
-        </p:spPr>
-        <p:txBody>
-          <a:bodyPr lIns="0" tIns="0" rIns="0" bIns="0" rtlCol="0" anchor="t">
-            <a:spAutoFit/>
-          </a:bodyPr>
-          <a:lstStyle/>
-          <a:p>
-            <a:pPr algn="ctr">
-              <a:lnSpc>
-                <a:spcPts val="4759"/>
-              </a:lnSpc>
-            </a:pPr>
-            <a:r>
-              <a:rPr lang="en-US" sz="3350" dirty="0">
-                <a:solidFill>
-                  <a:srgbClr val="FFFFFF"/>
-                </a:solidFill>
-                <a:latin typeface="Open Sans Light Bold"/>
-                <a:ea typeface="Open Sans Light Bold"/>
-                <a:cs typeface="Open Sans Light Bold"/>
-              </a:rPr>
-              <a:t>4</a:t>
-            </a:r>
-          </a:p>
-        </p:txBody>
-      </p:sp>
-    </p:spTree>
-  </p:cSld>
-  <p:clrMapOvr>
-    <a:masterClrMapping/>
-  </p:clrMapOvr>
-</p:sld>
-</file>
-
-<file path=ppt/slides/slide5.xml><?xml version="1.0" encoding="utf-8"?>
 <p:sld xmlns:a="http://schemas.openxmlformats.org/drawingml/2006/main" xmlns:r="http://schemas.openxmlformats.org/officeDocument/2006/relationships" xmlns:p="http://schemas.openxmlformats.org/presentationml/2006/main">
   <p:cSld>
     <p:bg>
@@ -7293,7 +7890,7 @@
           <p:spPr>
             <a:xfrm>
               <a:off x="696856" y="450820"/>
-              <a:ext cx="326231" cy="751628"/>
+              <a:ext cx="326231" cy="765595"/>
             </a:xfrm>
             <a:prstGeom prst="rect">
               <a:avLst/>
@@ -7311,13 +7908,13 @@
                 </a:lnSpc>
               </a:pPr>
               <a:r>
-                <a:rPr lang="en-US" sz="3399">
+                <a:rPr lang="en-US" sz="3399" dirty="0">
                   <a:solidFill>
                     <a:srgbClr val="FFFFFF"/>
                   </a:solidFill>
                   <a:latin typeface="Open Sans Light Bold"/>
                 </a:rPr>
-                <a:t>5</a:t>
+                <a:t>4</a:t>
               </a:r>
             </a:p>
           </p:txBody>
@@ -7331,7 +7928,7 @@
         </p:nvSpPr>
         <p:spPr>
           <a:xfrm>
-            <a:off x="350490" y="569687"/>
+            <a:off x="228600" y="815"/>
             <a:ext cx="6214170" cy="920115"/>
           </a:xfrm>
           <a:prstGeom prst="rect">
@@ -7377,7 +7974,7 @@
         </p:nvSpPr>
         <p:spPr>
           <a:xfrm>
-            <a:off x="0" y="1841860"/>
+            <a:off x="4572000" y="33835"/>
             <a:ext cx="6951218" cy="887095"/>
           </a:xfrm>
           <a:prstGeom prst="rect">
@@ -7415,6 +8012,213 @@
           </a:p>
         </p:txBody>
       </p:sp>
+      <p:sp>
+        <p:nvSpPr>
+          <p:cNvPr id="18" name="TextBox 17">
+            <a:extLst>
+              <a:ext uri="{FF2B5EF4-FFF2-40B4-BE49-F238E27FC236}">
+                <a16:creationId xmlns:a16="http://schemas.microsoft.com/office/drawing/2014/main" id="{ABAA7231-E0B8-437A-9A5C-39FF17D48685}"/>
+              </a:ext>
+            </a:extLst>
+          </p:cNvPr>
+          <p:cNvSpPr txBox="1"/>
+          <p:nvPr/>
+        </p:nvSpPr>
+        <p:spPr>
+          <a:xfrm>
+            <a:off x="51736" y="920930"/>
+            <a:ext cx="380232" cy="553998"/>
+          </a:xfrm>
+          <a:prstGeom prst="rect">
+            <a:avLst/>
+          </a:prstGeom>
+          <a:noFill/>
+        </p:spPr>
+        <p:txBody>
+          <a:bodyPr wrap="none" rtlCol="0">
+            <a:spAutoFit/>
+          </a:bodyPr>
+          <a:lstStyle/>
+          <a:p>
+            <a:r>
+              <a:rPr lang="it-IT" sz="3000" dirty="0">
+                <a:solidFill>
+                  <a:schemeClr val="bg1"/>
+                </a:solidFill>
+              </a:rPr>
+              <a:t>1</a:t>
+            </a:r>
+          </a:p>
+        </p:txBody>
+      </p:sp>
+      <p:sp>
+        <p:nvSpPr>
+          <p:cNvPr id="21" name="TextBox 20">
+            <a:extLst>
+              <a:ext uri="{FF2B5EF4-FFF2-40B4-BE49-F238E27FC236}">
+                <a16:creationId xmlns:a16="http://schemas.microsoft.com/office/drawing/2014/main" id="{70FC650C-21D6-4471-A935-ED6B3DA88055}"/>
+              </a:ext>
+            </a:extLst>
+          </p:cNvPr>
+          <p:cNvSpPr txBox="1"/>
+          <p:nvPr/>
+        </p:nvSpPr>
+        <p:spPr>
+          <a:xfrm>
+            <a:off x="9635045" y="159425"/>
+            <a:ext cx="380232" cy="553998"/>
+          </a:xfrm>
+          <a:prstGeom prst="rect">
+            <a:avLst/>
+          </a:prstGeom>
+          <a:noFill/>
+        </p:spPr>
+        <p:txBody>
+          <a:bodyPr wrap="none" rtlCol="0">
+            <a:spAutoFit/>
+          </a:bodyPr>
+          <a:lstStyle/>
+          <a:p>
+            <a:r>
+              <a:rPr lang="it-IT" sz="3000" dirty="0">
+                <a:solidFill>
+                  <a:schemeClr val="bg1"/>
+                </a:solidFill>
+              </a:rPr>
+              <a:t>2</a:t>
+            </a:r>
+          </a:p>
+        </p:txBody>
+      </p:sp>
+      <p:sp>
+        <p:nvSpPr>
+          <p:cNvPr id="32" name="TextBox 31">
+            <a:extLst>
+              <a:ext uri="{FF2B5EF4-FFF2-40B4-BE49-F238E27FC236}">
+                <a16:creationId xmlns:a16="http://schemas.microsoft.com/office/drawing/2014/main" id="{969EA4A6-E83A-40AC-A91F-4D7E2BBCD402}"/>
+              </a:ext>
+            </a:extLst>
+          </p:cNvPr>
+          <p:cNvSpPr txBox="1"/>
+          <p:nvPr/>
+        </p:nvSpPr>
+        <p:spPr>
+          <a:xfrm>
+            <a:off x="9620198" y="3207053"/>
+            <a:ext cx="380232" cy="553998"/>
+          </a:xfrm>
+          <a:prstGeom prst="rect">
+            <a:avLst/>
+          </a:prstGeom>
+          <a:noFill/>
+        </p:spPr>
+        <p:txBody>
+          <a:bodyPr wrap="none" rtlCol="0">
+            <a:spAutoFit/>
+          </a:bodyPr>
+          <a:lstStyle/>
+          <a:p>
+            <a:r>
+              <a:rPr lang="it-IT" sz="3000" dirty="0">
+                <a:solidFill>
+                  <a:schemeClr val="bg1"/>
+                </a:solidFill>
+              </a:rPr>
+              <a:t>3</a:t>
+            </a:r>
+          </a:p>
+        </p:txBody>
+      </p:sp>
+      <p:pic>
+        <p:nvPicPr>
+          <p:cNvPr id="38" name="Picture 37">
+            <a:extLst>
+              <a:ext uri="{FF2B5EF4-FFF2-40B4-BE49-F238E27FC236}">
+                <a16:creationId xmlns:a16="http://schemas.microsoft.com/office/drawing/2014/main" id="{E5B36127-3516-41DD-B645-20A5B841A494}"/>
+              </a:ext>
+            </a:extLst>
+          </p:cNvPr>
+          <p:cNvPicPr>
+            <a:picLocks noChangeAspect="1"/>
+          </p:cNvPicPr>
+          <p:nvPr/>
+        </p:nvPicPr>
+        <p:blipFill>
+          <a:blip r:embed="rId2"/>
+          <a:stretch>
+            <a:fillRect/>
+          </a:stretch>
+        </p:blipFill>
+        <p:spPr>
+          <a:xfrm>
+            <a:off x="567724" y="985424"/>
+            <a:ext cx="6801799" cy="7944959"/>
+          </a:xfrm>
+          <a:prstGeom prst="rect">
+            <a:avLst/>
+          </a:prstGeom>
+        </p:spPr>
+      </p:pic>
+      <p:pic>
+        <p:nvPicPr>
+          <p:cNvPr id="40" name="Picture 39">
+            <a:extLst>
+              <a:ext uri="{FF2B5EF4-FFF2-40B4-BE49-F238E27FC236}">
+                <a16:creationId xmlns:a16="http://schemas.microsoft.com/office/drawing/2014/main" id="{CC14358F-FA29-495B-8FE1-0C351127B302}"/>
+              </a:ext>
+            </a:extLst>
+          </p:cNvPr>
+          <p:cNvPicPr>
+            <a:picLocks noChangeAspect="1"/>
+          </p:cNvPicPr>
+          <p:nvPr/>
+        </p:nvPicPr>
+        <p:blipFill>
+          <a:blip r:embed="rId3"/>
+          <a:stretch>
+            <a:fillRect/>
+          </a:stretch>
+        </p:blipFill>
+        <p:spPr>
+          <a:xfrm>
+            <a:off x="10066111" y="225928"/>
+            <a:ext cx="6182588" cy="2762636"/>
+          </a:xfrm>
+          <a:prstGeom prst="rect">
+            <a:avLst/>
+          </a:prstGeom>
+        </p:spPr>
+      </p:pic>
+      <p:pic>
+        <p:nvPicPr>
+          <p:cNvPr id="42" name="Picture 41">
+            <a:extLst>
+              <a:ext uri="{FF2B5EF4-FFF2-40B4-BE49-F238E27FC236}">
+                <a16:creationId xmlns:a16="http://schemas.microsoft.com/office/drawing/2014/main" id="{9B42DDDC-72BF-4A64-9582-EFFFA278A2D2}"/>
+              </a:ext>
+            </a:extLst>
+          </p:cNvPr>
+          <p:cNvPicPr>
+            <a:picLocks noChangeAspect="1"/>
+          </p:cNvPicPr>
+          <p:nvPr/>
+        </p:nvPicPr>
+        <p:blipFill>
+          <a:blip r:embed="rId4"/>
+          <a:stretch>
+            <a:fillRect/>
+          </a:stretch>
+        </p:blipFill>
+        <p:spPr>
+          <a:xfrm>
+            <a:off x="10066111" y="3231901"/>
+            <a:ext cx="6373114" cy="6916115"/>
+          </a:xfrm>
+          <a:prstGeom prst="rect">
+            <a:avLst/>
+          </a:prstGeom>
+        </p:spPr>
+      </p:pic>
     </p:spTree>
   </p:cSld>
   <p:clrMapOvr>
@@ -7423,7 +8227,7 @@
 </p:sld>
 </file>
 
-<file path=ppt/slides/slide6.xml><?xml version="1.0" encoding="utf-8"?>
+<file path=ppt/slides/slide5.xml><?xml version="1.0" encoding="utf-8"?>
 <p:sld xmlns:a="http://schemas.openxmlformats.org/drawingml/2006/main" xmlns:r="http://schemas.openxmlformats.org/officeDocument/2006/relationships" xmlns:p="http://schemas.openxmlformats.org/presentationml/2006/main">
   <p:cSld>
     <p:bg>
@@ -7621,7 +8425,7 @@
                   <a:ea typeface="Open Sans Light Bold"/>
                   <a:cs typeface="Open Sans Light Bold"/>
                 </a:rPr>
-                <a:t>6</a:t>
+                <a:t>5</a:t>
               </a:r>
             </a:p>
           </p:txBody>
@@ -7635,15 +8439,15 @@
         </p:nvSpPr>
         <p:spPr>
           <a:xfrm>
-            <a:off x="350490" y="569687"/>
-            <a:ext cx="6214170" cy="920115"/>
+            <a:off x="170916" y="22485"/>
+            <a:ext cx="8793510" cy="909736"/>
           </a:xfrm>
           <a:prstGeom prst="rect">
             <a:avLst/>
           </a:prstGeom>
         </p:spPr>
         <p:txBody>
-          <a:bodyPr lIns="0" tIns="0" rIns="0" bIns="0" rtlCol="0" anchor="t">
+          <a:bodyPr wrap="square" lIns="0" tIns="0" rIns="0" bIns="0" rtlCol="0" anchor="t">
             <a:spAutoFit/>
           </a:bodyPr>
           <a:lstStyle/>
@@ -7660,9 +8464,36 @@
                 </a:solidFill>
                 <a:latin typeface="Open Sans Extra Bold"/>
               </a:rPr>
-              <a:t>Implementazione</a:t>
-            </a:r>
-            <a:endParaRPr lang="en-US" sz="5400" dirty="0" err="1">
+              <a:t>Metodi</a:t>
+            </a:r>
+            <a:r>
+              <a:rPr lang="en-US" sz="5400" dirty="0">
+                <a:solidFill>
+                  <a:schemeClr val="bg1"/>
+                </a:solidFill>
+                <a:latin typeface="Open Sans Extra Bold"/>
+              </a:rPr>
+              <a:t> e </a:t>
+            </a:r>
+            <a:r>
+              <a:rPr lang="en-US" sz="5400" dirty="0" err="1">
+                <a:solidFill>
+                  <a:schemeClr val="bg1"/>
+                </a:solidFill>
+                <a:latin typeface="Open Sans Extra Bold"/>
+              </a:rPr>
+              <a:t>classi</a:t>
+            </a:r>
+            <a:r>
+              <a:rPr lang="en-US" sz="5400" dirty="0">
+                <a:solidFill>
+                  <a:schemeClr val="bg1"/>
+                </a:solidFill>
+                <a:latin typeface="Open Sans Extra Bold"/>
+              </a:rPr>
+              <a:t> di utility</a:t>
+            </a:r>
+            <a:endParaRPr lang="en-US" sz="5400" dirty="0">
               <a:solidFill>
                 <a:schemeClr val="bg1"/>
               </a:solidFill>
@@ -7675,50 +8506,142 @@
       </p:sp>
       <p:sp>
         <p:nvSpPr>
-          <p:cNvPr id="10" name="TextBox 10"/>
+          <p:cNvPr id="12" name="TextBox 11">
+            <a:extLst>
+              <a:ext uri="{FF2B5EF4-FFF2-40B4-BE49-F238E27FC236}">
+                <a16:creationId xmlns:a16="http://schemas.microsoft.com/office/drawing/2014/main" id="{C3066CE0-15A2-4E27-807D-F055B5D05775}"/>
+              </a:ext>
+            </a:extLst>
+          </p:cNvPr>
           <p:cNvSpPr txBox="1"/>
           <p:nvPr/>
         </p:nvSpPr>
         <p:spPr>
           <a:xfrm>
-            <a:off x="170916" y="2055505"/>
-            <a:ext cx="6951218" cy="887095"/>
+            <a:off x="197420" y="1071162"/>
+            <a:ext cx="7532831" cy="769441"/>
+          </a:xfrm>
+          <a:prstGeom prst="rect">
+            <a:avLst/>
+          </a:prstGeom>
+          <a:noFill/>
+        </p:spPr>
+        <p:txBody>
+          <a:bodyPr wrap="none" rtlCol="0">
+            <a:spAutoFit/>
+          </a:bodyPr>
+          <a:lstStyle/>
+          <a:p>
+            <a:r>
+              <a:rPr lang="it-IT" sz="4400" dirty="0">
+                <a:solidFill>
+                  <a:schemeClr val="bg1"/>
+                </a:solidFill>
+              </a:rPr>
+              <a:t>Check delle porte e file duplicati</a:t>
+            </a:r>
+          </a:p>
+        </p:txBody>
+      </p:sp>
+      <p:sp>
+        <p:nvSpPr>
+          <p:cNvPr id="13" name="TextBox 12">
+            <a:extLst>
+              <a:ext uri="{FF2B5EF4-FFF2-40B4-BE49-F238E27FC236}">
+                <a16:creationId xmlns:a16="http://schemas.microsoft.com/office/drawing/2014/main" id="{115A1AF0-46EF-4B7D-8D3F-8D7FE15423AF}"/>
+              </a:ext>
+            </a:extLst>
+          </p:cNvPr>
+          <p:cNvSpPr txBox="1"/>
+          <p:nvPr/>
+        </p:nvSpPr>
+        <p:spPr>
+          <a:xfrm>
+            <a:off x="8614397" y="2476500"/>
+            <a:ext cx="4144853" cy="769441"/>
+          </a:xfrm>
+          <a:prstGeom prst="rect">
+            <a:avLst/>
+          </a:prstGeom>
+          <a:noFill/>
+        </p:spPr>
+        <p:txBody>
+          <a:bodyPr wrap="none" rtlCol="0">
+            <a:spAutoFit/>
+          </a:bodyPr>
+          <a:lstStyle/>
+          <a:p>
+            <a:r>
+              <a:rPr lang="it-IT" sz="4400" dirty="0">
+                <a:solidFill>
+                  <a:schemeClr val="bg1"/>
+                </a:solidFill>
+              </a:rPr>
+              <a:t>Classe ByteUtility</a:t>
+            </a:r>
+          </a:p>
+        </p:txBody>
+      </p:sp>
+      <p:pic>
+        <p:nvPicPr>
+          <p:cNvPr id="17" name="Picture 16">
+            <a:extLst>
+              <a:ext uri="{FF2B5EF4-FFF2-40B4-BE49-F238E27FC236}">
+                <a16:creationId xmlns:a16="http://schemas.microsoft.com/office/drawing/2014/main" id="{AF9E970A-4458-40C2-A877-BDC9EEA2B8C0}"/>
+              </a:ext>
+            </a:extLst>
+          </p:cNvPr>
+          <p:cNvPicPr>
+            <a:picLocks noChangeAspect="1"/>
+          </p:cNvPicPr>
+          <p:nvPr/>
+        </p:nvPicPr>
+        <p:blipFill>
+          <a:blip r:embed="rId2"/>
+          <a:stretch>
+            <a:fillRect/>
+          </a:stretch>
+        </p:blipFill>
+        <p:spPr>
+          <a:xfrm>
+            <a:off x="304800" y="1840603"/>
+            <a:ext cx="6477904" cy="5363323"/>
           </a:xfrm>
           <a:prstGeom prst="rect">
             <a:avLst/>
           </a:prstGeom>
         </p:spPr>
-        <p:txBody>
-          <a:bodyPr lIns="0" tIns="0" rIns="0" bIns="0" rtlCol="0" anchor="t">
-            <a:spAutoFit/>
-          </a:bodyPr>
-          <a:lstStyle/>
-          <a:p>
-            <a:pPr algn="ctr">
-              <a:lnSpc>
-                <a:spcPts val="7279"/>
-              </a:lnSpc>
-            </a:pPr>
-            <a:r>
-              <a:rPr lang="en-US" sz="5150" dirty="0">
-                <a:solidFill>
-                  <a:srgbClr val="FFFFFF"/>
-                </a:solidFill>
-                <a:latin typeface="Open Sans"/>
-              </a:rPr>
-              <a:t>JAVA - RS</a:t>
-            </a:r>
-            <a:endParaRPr lang="en-US" sz="5150" dirty="0">
-              <a:solidFill>
-                <a:srgbClr val="FFFFFF"/>
-              </a:solidFill>
-              <a:latin typeface="Open Sans"/>
-              <a:ea typeface="Open Sans"/>
-              <a:cs typeface="Open Sans"/>
-            </a:endParaRPr>
-          </a:p>
-        </p:txBody>
-      </p:sp>
+      </p:pic>
+      <p:pic>
+        <p:nvPicPr>
+          <p:cNvPr id="19" name="Picture 18">
+            <a:extLst>
+              <a:ext uri="{FF2B5EF4-FFF2-40B4-BE49-F238E27FC236}">
+                <a16:creationId xmlns:a16="http://schemas.microsoft.com/office/drawing/2014/main" id="{C73B2889-FD12-438F-8D14-7D7672B5FD1B}"/>
+              </a:ext>
+            </a:extLst>
+          </p:cNvPr>
+          <p:cNvPicPr>
+            <a:picLocks noChangeAspect="1"/>
+          </p:cNvPicPr>
+          <p:nvPr/>
+        </p:nvPicPr>
+        <p:blipFill>
+          <a:blip r:embed="rId3"/>
+          <a:stretch>
+            <a:fillRect/>
+          </a:stretch>
+        </p:blipFill>
+        <p:spPr>
+          <a:xfrm>
+            <a:off x="8686800" y="3368288"/>
+            <a:ext cx="6325483" cy="4648849"/>
+          </a:xfrm>
+          <a:prstGeom prst="rect">
+            <a:avLst/>
+          </a:prstGeom>
+        </p:spPr>
+      </p:pic>
     </p:spTree>
     <p:extLst>
       <p:ext uri="{BB962C8B-B14F-4D97-AF65-F5344CB8AC3E}">
@@ -7732,7 +8655,7 @@
 </p:sld>
 </file>
 
-<file path=ppt/slides/slide7.xml><?xml version="1.0" encoding="utf-8"?>
+<file path=ppt/slides/slide6.xml><?xml version="1.0" encoding="utf-8"?>
 <p:sld xmlns:a="http://schemas.openxmlformats.org/drawingml/2006/main" xmlns:r="http://schemas.openxmlformats.org/officeDocument/2006/relationships" xmlns:p="http://schemas.openxmlformats.org/presentationml/2006/main">
   <p:cSld>
     <p:bg>
@@ -7757,6 +8680,259 @@
           <a:chExt cx="0" cy="0"/>
         </a:xfrm>
       </p:grpSpPr>
+      <p:sp>
+        <p:nvSpPr>
+          <p:cNvPr id="12" name="Freeform 6">
+            <a:extLst>
+              <a:ext uri="{FF2B5EF4-FFF2-40B4-BE49-F238E27FC236}">
+                <a16:creationId xmlns:a16="http://schemas.microsoft.com/office/drawing/2014/main" id="{A0ABDFDF-5E22-4A3E-9C05-8E044FAE5004}"/>
+              </a:ext>
+            </a:extLst>
+          </p:cNvPr>
+          <p:cNvSpPr/>
+          <p:nvPr/>
+        </p:nvSpPr>
+        <p:spPr>
+          <a:xfrm>
+            <a:off x="16651643" y="8740635"/>
+            <a:ext cx="1284201" cy="1289957"/>
+          </a:xfrm>
+          <a:custGeom>
+            <a:avLst/>
+            <a:gdLst/>
+            <a:ahLst/>
+            <a:cxnLst/>
+            <a:rect l="l" t="t" r="r" b="b"/>
+            <a:pathLst>
+              <a:path w="6321665" h="6350000">
+                <a:moveTo>
+                  <a:pt x="3160833" y="0"/>
+                </a:moveTo>
+                <a:lnTo>
+                  <a:pt x="3160833" y="0"/>
+                </a:lnTo>
+                <a:cubicBezTo>
+                  <a:pt x="4908795" y="7817"/>
+                  <a:pt x="6321666" y="1427021"/>
+                  <a:pt x="6321666" y="3175000"/>
+                </a:cubicBezTo>
+                <a:cubicBezTo>
+                  <a:pt x="6321666" y="4922979"/>
+                  <a:pt x="4908795" y="6342183"/>
+                  <a:pt x="3160833" y="6350000"/>
+                </a:cubicBezTo>
+                <a:cubicBezTo>
+                  <a:pt x="1412871" y="6342183"/>
+                  <a:pt x="0" y="4922979"/>
+                  <a:pt x="0" y="3175000"/>
+                </a:cubicBezTo>
+                <a:cubicBezTo>
+                  <a:pt x="0" y="1427021"/>
+                  <a:pt x="1412871" y="7817"/>
+                  <a:pt x="3160833" y="0"/>
+                </a:cubicBezTo>
+                <a:close/>
+              </a:path>
+            </a:pathLst>
+          </a:custGeom>
+          <a:solidFill>
+            <a:srgbClr val="004AAD"/>
+          </a:solidFill>
+        </p:spPr>
+      </p:sp>
+      <p:sp>
+        <p:nvSpPr>
+          <p:cNvPr id="16" name="TextBox 7">
+            <a:extLst>
+              <a:ext uri="{FF2B5EF4-FFF2-40B4-BE49-F238E27FC236}">
+                <a16:creationId xmlns:a16="http://schemas.microsoft.com/office/drawing/2014/main" id="{FCA07814-66BA-4AB3-BE34-009A74638661}"/>
+              </a:ext>
+            </a:extLst>
+          </p:cNvPr>
+          <p:cNvSpPr txBox="1"/>
+          <p:nvPr/>
+        </p:nvSpPr>
+        <p:spPr>
+          <a:xfrm>
+            <a:off x="17171407" y="9078750"/>
+            <a:ext cx="244673" cy="572593"/>
+          </a:xfrm>
+          <a:prstGeom prst="rect">
+            <a:avLst/>
+          </a:prstGeom>
+        </p:spPr>
+        <p:txBody>
+          <a:bodyPr lIns="0" tIns="0" rIns="0" bIns="0" rtlCol="0" anchor="t">
+            <a:spAutoFit/>
+          </a:bodyPr>
+          <a:lstStyle/>
+          <a:p>
+            <a:pPr algn="ctr">
+              <a:lnSpc>
+                <a:spcPts val="4759"/>
+              </a:lnSpc>
+            </a:pPr>
+            <a:r>
+              <a:rPr lang="en-US" sz="3350" dirty="0">
+                <a:solidFill>
+                  <a:srgbClr val="FFFFFF"/>
+                </a:solidFill>
+                <a:latin typeface="Open Sans Light Bold"/>
+                <a:ea typeface="Open Sans Light Bold"/>
+                <a:cs typeface="Open Sans Light Bold"/>
+              </a:rPr>
+              <a:t>6</a:t>
+            </a:r>
+          </a:p>
+        </p:txBody>
+      </p:sp>
+      <p:sp>
+        <p:nvSpPr>
+          <p:cNvPr id="6" name="TextBox 8">
+            <a:extLst>
+              <a:ext uri="{FF2B5EF4-FFF2-40B4-BE49-F238E27FC236}">
+                <a16:creationId xmlns:a16="http://schemas.microsoft.com/office/drawing/2014/main" id="{BDA5562F-704A-4E9B-81B3-1B9502AFF127}"/>
+              </a:ext>
+            </a:extLst>
+          </p:cNvPr>
+          <p:cNvSpPr txBox="1"/>
+          <p:nvPr/>
+        </p:nvSpPr>
+        <p:spPr>
+          <a:xfrm>
+            <a:off x="228600" y="815"/>
+            <a:ext cx="6214170" cy="920115"/>
+          </a:xfrm>
+          <a:prstGeom prst="rect">
+            <a:avLst/>
+          </a:prstGeom>
+        </p:spPr>
+        <p:txBody>
+          <a:bodyPr lIns="0" tIns="0" rIns="0" bIns="0" rtlCol="0" anchor="t">
+            <a:spAutoFit/>
+          </a:bodyPr>
+          <a:lstStyle/>
+          <a:p>
+            <a:pPr algn="just">
+              <a:lnSpc>
+                <a:spcPts val="7559"/>
+              </a:lnSpc>
+            </a:pPr>
+            <a:r>
+              <a:rPr lang="en-US" sz="5400" dirty="0" err="1">
+                <a:latin typeface="Open Sans Extra Bold"/>
+              </a:rPr>
+              <a:t>Implementazione</a:t>
+            </a:r>
+            <a:endParaRPr lang="en-US" sz="5400" dirty="0" err="1">
+              <a:latin typeface="Open Sans Extra Bold"/>
+              <a:ea typeface="Open Sans Extra Bold"/>
+              <a:cs typeface="Open Sans Extra Bold"/>
+            </a:endParaRPr>
+          </a:p>
+        </p:txBody>
+      </p:sp>
+      <p:sp>
+        <p:nvSpPr>
+          <p:cNvPr id="7" name="TextBox 10">
+            <a:extLst>
+              <a:ext uri="{FF2B5EF4-FFF2-40B4-BE49-F238E27FC236}">
+                <a16:creationId xmlns:a16="http://schemas.microsoft.com/office/drawing/2014/main" id="{19D68A6E-DD71-4AA5-A6CE-4335242A803A}"/>
+              </a:ext>
+            </a:extLst>
+          </p:cNvPr>
+          <p:cNvSpPr txBox="1"/>
+          <p:nvPr/>
+        </p:nvSpPr>
+        <p:spPr>
+          <a:xfrm>
+            <a:off x="4572000" y="33835"/>
+            <a:ext cx="6951218" cy="887095"/>
+          </a:xfrm>
+          <a:prstGeom prst="rect">
+            <a:avLst/>
+          </a:prstGeom>
+        </p:spPr>
+        <p:txBody>
+          <a:bodyPr lIns="0" tIns="0" rIns="0" bIns="0" rtlCol="0" anchor="t">
+            <a:spAutoFit/>
+          </a:bodyPr>
+          <a:lstStyle/>
+          <a:p>
+            <a:pPr algn="ctr">
+              <a:lnSpc>
+                <a:spcPts val="7279"/>
+              </a:lnSpc>
+            </a:pPr>
+            <a:r>
+              <a:rPr lang="en-US" sz="5150" dirty="0">
+                <a:latin typeface="Open Sans"/>
+              </a:rPr>
+              <a:t>JAVA - RS</a:t>
+            </a:r>
+            <a:endParaRPr lang="en-US" sz="5150" dirty="0">
+              <a:latin typeface="Open Sans"/>
+              <a:ea typeface="Open Sans"/>
+              <a:cs typeface="Open Sans"/>
+            </a:endParaRPr>
+          </a:p>
+        </p:txBody>
+      </p:sp>
+      <p:pic>
+        <p:nvPicPr>
+          <p:cNvPr id="3" name="Picture 2">
+            <a:extLst>
+              <a:ext uri="{FF2B5EF4-FFF2-40B4-BE49-F238E27FC236}">
+                <a16:creationId xmlns:a16="http://schemas.microsoft.com/office/drawing/2014/main" id="{F31EFE87-71AD-4A31-B897-382D70E82A49}"/>
+              </a:ext>
+            </a:extLst>
+          </p:cNvPr>
+          <p:cNvPicPr>
+            <a:picLocks noChangeAspect="1"/>
+          </p:cNvPicPr>
+          <p:nvPr/>
+        </p:nvPicPr>
+        <p:blipFill>
+          <a:blip r:embed="rId2"/>
+          <a:stretch>
+            <a:fillRect/>
+          </a:stretch>
+        </p:blipFill>
+        <p:spPr>
+          <a:xfrm>
+            <a:off x="352156" y="1010962"/>
+            <a:ext cx="7716327" cy="8640381"/>
+          </a:xfrm>
+          <a:prstGeom prst="rect">
+            <a:avLst/>
+          </a:prstGeom>
+        </p:spPr>
+      </p:pic>
+    </p:spTree>
+  </p:cSld>
+  <p:clrMapOvr>
+    <a:masterClrMapping/>
+  </p:clrMapOvr>
+</p:sld>
+</file>
+
+<file path=ppt/slides/slide7.xml><?xml version="1.0" encoding="utf-8"?>
+<p:sld xmlns:a="http://schemas.openxmlformats.org/drawingml/2006/main" xmlns:r="http://schemas.openxmlformats.org/officeDocument/2006/relationships" xmlns:p="http://schemas.openxmlformats.org/presentationml/2006/main">
+  <p:cSld>
+    <p:spTree>
+      <p:nvGrpSpPr>
+        <p:cNvPr id="1" name=""/>
+        <p:cNvGrpSpPr/>
+        <p:nvPr/>
+      </p:nvGrpSpPr>
+      <p:grpSpPr>
+        <a:xfrm>
+          <a:off x="0" y="0"/>
+          <a:ext cx="0" cy="0"/>
+          <a:chOff x="0" y="0"/>
+          <a:chExt cx="0" cy="0"/>
+        </a:xfrm>
+      </p:grpSpPr>
       <p:grpSp>
         <p:nvGrpSpPr>
           <p:cNvPr id="2" name="Group 2"/>
@@ -7765,8 +8941,8 @@
         </p:nvGrpSpPr>
         <p:grpSpPr>
           <a:xfrm>
-            <a:off x="8629650" y="0"/>
-            <a:ext cx="9658350" cy="10287000"/>
+            <a:off x="-12284" y="0"/>
+            <a:ext cx="18300284" cy="10287000"/>
             <a:chOff x="0" y="0"/>
             <a:chExt cx="3267146" cy="3479800"/>
           </a:xfrm>
@@ -7936,6 +9112,1097 @@
           </p:txBody>
         </p:sp>
       </p:grpSp>
+      <p:sp>
+        <p:nvSpPr>
+          <p:cNvPr id="8" name="TextBox 8"/>
+          <p:cNvSpPr txBox="1"/>
+          <p:nvPr/>
+        </p:nvSpPr>
+        <p:spPr>
+          <a:xfrm>
+            <a:off x="170916" y="22485"/>
+            <a:ext cx="8793510" cy="909736"/>
+          </a:xfrm>
+          <a:prstGeom prst="rect">
+            <a:avLst/>
+          </a:prstGeom>
+        </p:spPr>
+        <p:txBody>
+          <a:bodyPr wrap="square" lIns="0" tIns="0" rIns="0" bIns="0" rtlCol="0" anchor="t">
+            <a:spAutoFit/>
+          </a:bodyPr>
+          <a:lstStyle/>
+          <a:p>
+            <a:pPr algn="just">
+              <a:lnSpc>
+                <a:spcPts val="7559"/>
+              </a:lnSpc>
+            </a:pPr>
+            <a:r>
+              <a:rPr lang="en-US" sz="5400" dirty="0" err="1">
+                <a:solidFill>
+                  <a:schemeClr val="bg1"/>
+                </a:solidFill>
+                <a:latin typeface="Open Sans Extra Bold"/>
+              </a:rPr>
+              <a:t>Classe</a:t>
+            </a:r>
+            <a:r>
+              <a:rPr lang="en-US" sz="5400" dirty="0">
+                <a:solidFill>
+                  <a:schemeClr val="bg1"/>
+                </a:solidFill>
+                <a:latin typeface="Open Sans Extra Bold"/>
+              </a:rPr>
+              <a:t> </a:t>
+            </a:r>
+            <a:r>
+              <a:rPr lang="en-US" sz="5400" dirty="0" err="1">
+                <a:solidFill>
+                  <a:schemeClr val="bg1"/>
+                </a:solidFill>
+                <a:latin typeface="Open Sans Extra Bold"/>
+              </a:rPr>
+              <a:t>LineUtility</a:t>
+            </a:r>
+            <a:endParaRPr lang="en-US" sz="5400" dirty="0">
+              <a:solidFill>
+                <a:schemeClr val="bg1"/>
+              </a:solidFill>
+              <a:latin typeface="Open Sans Extra Bold"/>
+              <a:ea typeface="Open Sans Extra Bold"/>
+              <a:cs typeface="Open Sans Extra Bold"/>
+            </a:endParaRPr>
+          </a:p>
+        </p:txBody>
+      </p:sp>
+      <p:sp>
+        <p:nvSpPr>
+          <p:cNvPr id="15" name="TextBox 14">
+            <a:extLst>
+              <a:ext uri="{FF2B5EF4-FFF2-40B4-BE49-F238E27FC236}">
+                <a16:creationId xmlns:a16="http://schemas.microsoft.com/office/drawing/2014/main" id="{4921338A-4D59-4A4D-AFEC-2F396F56FA22}"/>
+              </a:ext>
+            </a:extLst>
+          </p:cNvPr>
+          <p:cNvSpPr txBox="1"/>
+          <p:nvPr/>
+        </p:nvSpPr>
+        <p:spPr>
+          <a:xfrm>
+            <a:off x="108542" y="1169768"/>
+            <a:ext cx="380232" cy="553998"/>
+          </a:xfrm>
+          <a:prstGeom prst="rect">
+            <a:avLst/>
+          </a:prstGeom>
+          <a:noFill/>
+        </p:spPr>
+        <p:txBody>
+          <a:bodyPr wrap="none" rtlCol="0">
+            <a:spAutoFit/>
+          </a:bodyPr>
+          <a:lstStyle/>
+          <a:p>
+            <a:r>
+              <a:rPr lang="it-IT" sz="3000" dirty="0">
+                <a:solidFill>
+                  <a:schemeClr val="bg1"/>
+                </a:solidFill>
+              </a:rPr>
+              <a:t>1</a:t>
+            </a:r>
+          </a:p>
+        </p:txBody>
+      </p:sp>
+      <p:pic>
+        <p:nvPicPr>
+          <p:cNvPr id="14" name="Picture 13">
+            <a:extLst>
+              <a:ext uri="{FF2B5EF4-FFF2-40B4-BE49-F238E27FC236}">
+                <a16:creationId xmlns:a16="http://schemas.microsoft.com/office/drawing/2014/main" id="{4EA066BB-8C25-4790-999B-68B30A76EA21}"/>
+              </a:ext>
+            </a:extLst>
+          </p:cNvPr>
+          <p:cNvPicPr>
+            <a:picLocks noChangeAspect="1"/>
+          </p:cNvPicPr>
+          <p:nvPr/>
+        </p:nvPicPr>
+        <p:blipFill>
+          <a:blip r:embed="rId3"/>
+          <a:stretch>
+            <a:fillRect/>
+          </a:stretch>
+        </p:blipFill>
+        <p:spPr>
+          <a:xfrm>
+            <a:off x="10058400" y="3534692"/>
+            <a:ext cx="5753903" cy="5287113"/>
+          </a:xfrm>
+          <a:prstGeom prst="rect">
+            <a:avLst/>
+          </a:prstGeom>
+        </p:spPr>
+      </p:pic>
+      <p:sp>
+        <p:nvSpPr>
+          <p:cNvPr id="18" name="TextBox 17">
+            <a:extLst>
+              <a:ext uri="{FF2B5EF4-FFF2-40B4-BE49-F238E27FC236}">
+                <a16:creationId xmlns:a16="http://schemas.microsoft.com/office/drawing/2014/main" id="{CBC610EA-ECAE-4C61-8897-A38D0531784F}"/>
+              </a:ext>
+            </a:extLst>
+          </p:cNvPr>
+          <p:cNvSpPr txBox="1"/>
+          <p:nvPr/>
+        </p:nvSpPr>
+        <p:spPr>
+          <a:xfrm>
+            <a:off x="9601200" y="3534692"/>
+            <a:ext cx="380232" cy="553998"/>
+          </a:xfrm>
+          <a:prstGeom prst="rect">
+            <a:avLst/>
+          </a:prstGeom>
+          <a:noFill/>
+        </p:spPr>
+        <p:txBody>
+          <a:bodyPr wrap="none" rtlCol="0">
+            <a:spAutoFit/>
+          </a:bodyPr>
+          <a:lstStyle/>
+          <a:p>
+            <a:r>
+              <a:rPr lang="it-IT" sz="3000" dirty="0">
+                <a:solidFill>
+                  <a:schemeClr val="bg1"/>
+                </a:solidFill>
+              </a:rPr>
+              <a:t>2</a:t>
+            </a:r>
+          </a:p>
+        </p:txBody>
+      </p:sp>
+      <p:pic>
+        <p:nvPicPr>
+          <p:cNvPr id="20" name="Picture 19">
+            <a:extLst>
+              <a:ext uri="{FF2B5EF4-FFF2-40B4-BE49-F238E27FC236}">
+                <a16:creationId xmlns:a16="http://schemas.microsoft.com/office/drawing/2014/main" id="{87EB50A0-E63F-48BA-990A-913361557849}"/>
+              </a:ext>
+            </a:extLst>
+          </p:cNvPr>
+          <p:cNvPicPr>
+            <a:picLocks noChangeAspect="1"/>
+          </p:cNvPicPr>
+          <p:nvPr/>
+        </p:nvPicPr>
+        <p:blipFill>
+          <a:blip r:embed="rId4"/>
+          <a:stretch>
+            <a:fillRect/>
+          </a:stretch>
+        </p:blipFill>
+        <p:spPr>
+          <a:xfrm>
+            <a:off x="505339" y="1169768"/>
+            <a:ext cx="6792273" cy="6258798"/>
+          </a:xfrm>
+          <a:prstGeom prst="rect">
+            <a:avLst/>
+          </a:prstGeom>
+        </p:spPr>
+      </p:pic>
+    </p:spTree>
+    <p:extLst>
+      <p:ext uri="{BB962C8B-B14F-4D97-AF65-F5344CB8AC3E}">
+        <p14:creationId xmlns:p14="http://schemas.microsoft.com/office/powerpoint/2010/main" val="4160574665"/>
+      </p:ext>
+    </p:extLst>
+  </p:cSld>
+  <p:clrMapOvr>
+    <a:masterClrMapping/>
+  </p:clrMapOvr>
+</p:sld>
+</file>
+
+<file path=ppt/slides/slide8.xml><?xml version="1.0" encoding="utf-8"?>
+<p:sld xmlns:a="http://schemas.openxmlformats.org/drawingml/2006/main" xmlns:r="http://schemas.openxmlformats.org/officeDocument/2006/relationships" xmlns:p="http://schemas.openxmlformats.org/presentationml/2006/main">
+  <p:cSld>
+    <p:spTree>
+      <p:nvGrpSpPr>
+        <p:cNvPr id="1" name=""/>
+        <p:cNvGrpSpPr/>
+        <p:nvPr/>
+      </p:nvGrpSpPr>
+      <p:grpSpPr>
+        <a:xfrm>
+          <a:off x="0" y="0"/>
+          <a:ext cx="0" cy="0"/>
+          <a:chOff x="0" y="0"/>
+          <a:chExt cx="0" cy="0"/>
+        </a:xfrm>
+      </p:grpSpPr>
+      <p:sp>
+        <p:nvSpPr>
+          <p:cNvPr id="12" name="Freeform 6">
+            <a:extLst>
+              <a:ext uri="{FF2B5EF4-FFF2-40B4-BE49-F238E27FC236}">
+                <a16:creationId xmlns:a16="http://schemas.microsoft.com/office/drawing/2014/main" id="{A0ABDFDF-5E22-4A3E-9C05-8E044FAE5004}"/>
+              </a:ext>
+            </a:extLst>
+          </p:cNvPr>
+          <p:cNvSpPr/>
+          <p:nvPr/>
+        </p:nvSpPr>
+        <p:spPr>
+          <a:xfrm>
+            <a:off x="16651643" y="8740635"/>
+            <a:ext cx="1284201" cy="1289957"/>
+          </a:xfrm>
+          <a:custGeom>
+            <a:avLst/>
+            <a:gdLst/>
+            <a:ahLst/>
+            <a:cxnLst/>
+            <a:rect l="l" t="t" r="r" b="b"/>
+            <a:pathLst>
+              <a:path w="6321665" h="6350000">
+                <a:moveTo>
+                  <a:pt x="3160833" y="0"/>
+                </a:moveTo>
+                <a:lnTo>
+                  <a:pt x="3160833" y="0"/>
+                </a:lnTo>
+                <a:cubicBezTo>
+                  <a:pt x="4908795" y="7817"/>
+                  <a:pt x="6321666" y="1427021"/>
+                  <a:pt x="6321666" y="3175000"/>
+                </a:cubicBezTo>
+                <a:cubicBezTo>
+                  <a:pt x="6321666" y="4922979"/>
+                  <a:pt x="4908795" y="6342183"/>
+                  <a:pt x="3160833" y="6350000"/>
+                </a:cubicBezTo>
+                <a:cubicBezTo>
+                  <a:pt x="1412871" y="6342183"/>
+                  <a:pt x="0" y="4922979"/>
+                  <a:pt x="0" y="3175000"/>
+                </a:cubicBezTo>
+                <a:cubicBezTo>
+                  <a:pt x="0" y="1427021"/>
+                  <a:pt x="1412871" y="7817"/>
+                  <a:pt x="3160833" y="0"/>
+                </a:cubicBezTo>
+                <a:close/>
+              </a:path>
+            </a:pathLst>
+          </a:custGeom>
+          <a:solidFill>
+            <a:srgbClr val="004AAD"/>
+          </a:solidFill>
+        </p:spPr>
+      </p:sp>
+      <p:sp>
+        <p:nvSpPr>
+          <p:cNvPr id="16" name="TextBox 7">
+            <a:extLst>
+              <a:ext uri="{FF2B5EF4-FFF2-40B4-BE49-F238E27FC236}">
+                <a16:creationId xmlns:a16="http://schemas.microsoft.com/office/drawing/2014/main" id="{FCA07814-66BA-4AB3-BE34-009A74638661}"/>
+              </a:ext>
+            </a:extLst>
+          </p:cNvPr>
+          <p:cNvSpPr txBox="1"/>
+          <p:nvPr/>
+        </p:nvSpPr>
+        <p:spPr>
+          <a:xfrm>
+            <a:off x="17171407" y="9078750"/>
+            <a:ext cx="244673" cy="572593"/>
+          </a:xfrm>
+          <a:prstGeom prst="rect">
+            <a:avLst/>
+          </a:prstGeom>
+        </p:spPr>
+        <p:txBody>
+          <a:bodyPr lIns="0" tIns="0" rIns="0" bIns="0" rtlCol="0" anchor="t">
+            <a:spAutoFit/>
+          </a:bodyPr>
+          <a:lstStyle/>
+          <a:p>
+            <a:pPr algn="ctr">
+              <a:lnSpc>
+                <a:spcPts val="4759"/>
+              </a:lnSpc>
+            </a:pPr>
+            <a:r>
+              <a:rPr lang="en-US" sz="3350" dirty="0">
+                <a:solidFill>
+                  <a:srgbClr val="FFFFFF"/>
+                </a:solidFill>
+                <a:latin typeface="Open Sans Light Bold"/>
+                <a:ea typeface="Open Sans Light Bold"/>
+                <a:cs typeface="Open Sans Light Bold"/>
+              </a:rPr>
+              <a:t>7</a:t>
+            </a:r>
+          </a:p>
+        </p:txBody>
+      </p:sp>
+      <p:grpSp>
+        <p:nvGrpSpPr>
+          <p:cNvPr id="6" name="Group 2">
+            <a:extLst>
+              <a:ext uri="{FF2B5EF4-FFF2-40B4-BE49-F238E27FC236}">
+                <a16:creationId xmlns:a16="http://schemas.microsoft.com/office/drawing/2014/main" id="{F13D53CE-697E-4633-B245-0CE945E2BFE9}"/>
+              </a:ext>
+            </a:extLst>
+          </p:cNvPr>
+          <p:cNvGrpSpPr/>
+          <p:nvPr/>
+        </p:nvGrpSpPr>
+        <p:grpSpPr>
+          <a:xfrm>
+            <a:off x="0" y="0"/>
+            <a:ext cx="18300284" cy="10287000"/>
+            <a:chOff x="0" y="0"/>
+            <a:chExt cx="3267146" cy="3479800"/>
+          </a:xfrm>
+          <a:solidFill>
+            <a:schemeClr val="accent6"/>
+          </a:solidFill>
+        </p:grpSpPr>
+        <p:sp>
+          <p:nvSpPr>
+            <p:cNvPr id="7" name="Freeform 3">
+              <a:extLst>
+                <a:ext uri="{FF2B5EF4-FFF2-40B4-BE49-F238E27FC236}">
+                  <a16:creationId xmlns:a16="http://schemas.microsoft.com/office/drawing/2014/main" id="{E789F3D9-D212-49B9-A1E5-3C81E4F40043}"/>
+                </a:ext>
+              </a:extLst>
+            </p:cNvPr>
+            <p:cNvSpPr/>
+            <p:nvPr/>
+          </p:nvSpPr>
+          <p:spPr>
+            <a:xfrm>
+              <a:off x="0" y="0"/>
+              <a:ext cx="3267146" cy="3479800"/>
+            </a:xfrm>
+            <a:custGeom>
+              <a:avLst/>
+              <a:gdLst/>
+              <a:ahLst/>
+              <a:cxnLst/>
+              <a:rect l="l" t="t" r="r" b="b"/>
+              <a:pathLst>
+                <a:path w="3267146" h="3479800">
+                  <a:moveTo>
+                    <a:pt x="0" y="0"/>
+                  </a:moveTo>
+                  <a:lnTo>
+                    <a:pt x="3267146" y="0"/>
+                  </a:lnTo>
+                  <a:lnTo>
+                    <a:pt x="3267146" y="3479800"/>
+                  </a:lnTo>
+                  <a:lnTo>
+                    <a:pt x="0" y="3479800"/>
+                  </a:lnTo>
+                  <a:close/>
+                </a:path>
+              </a:pathLst>
+            </a:custGeom>
+            <a:grpFill/>
+          </p:spPr>
+        </p:sp>
+      </p:grpSp>
+      <p:sp>
+        <p:nvSpPr>
+          <p:cNvPr id="10" name="TextBox 8">
+            <a:extLst>
+              <a:ext uri="{FF2B5EF4-FFF2-40B4-BE49-F238E27FC236}">
+                <a16:creationId xmlns:a16="http://schemas.microsoft.com/office/drawing/2014/main" id="{796FC4B7-44C8-425A-AC88-5EA128F5B8A6}"/>
+              </a:ext>
+            </a:extLst>
+          </p:cNvPr>
+          <p:cNvSpPr txBox="1"/>
+          <p:nvPr/>
+        </p:nvSpPr>
+        <p:spPr>
+          <a:xfrm>
+            <a:off x="121890" y="14909"/>
+            <a:ext cx="6214170" cy="920115"/>
+          </a:xfrm>
+          <a:prstGeom prst="rect">
+            <a:avLst/>
+          </a:prstGeom>
+        </p:spPr>
+        <p:txBody>
+          <a:bodyPr lIns="0" tIns="0" rIns="0" bIns="0" rtlCol="0" anchor="t">
+            <a:spAutoFit/>
+          </a:bodyPr>
+          <a:lstStyle/>
+          <a:p>
+            <a:pPr algn="just">
+              <a:lnSpc>
+                <a:spcPts val="7559"/>
+              </a:lnSpc>
+            </a:pPr>
+            <a:r>
+              <a:rPr lang="en-US" sz="5400" dirty="0" err="1">
+                <a:solidFill>
+                  <a:srgbClr val="000000"/>
+                </a:solidFill>
+                <a:latin typeface="Open Sans Extra Bold"/>
+              </a:rPr>
+              <a:t>Implementazione</a:t>
+            </a:r>
+            <a:endParaRPr lang="en-US" sz="5400" dirty="0">
+              <a:solidFill>
+                <a:srgbClr val="000000"/>
+              </a:solidFill>
+              <a:latin typeface="Open Sans Extra Bold"/>
+            </a:endParaRPr>
+          </a:p>
+        </p:txBody>
+      </p:sp>
+      <p:sp>
+        <p:nvSpPr>
+          <p:cNvPr id="11" name="TextBox 9">
+            <a:extLst>
+              <a:ext uri="{FF2B5EF4-FFF2-40B4-BE49-F238E27FC236}">
+                <a16:creationId xmlns:a16="http://schemas.microsoft.com/office/drawing/2014/main" id="{32E67F3C-7358-43F4-AC1B-CA07C0FC0DCF}"/>
+              </a:ext>
+            </a:extLst>
+          </p:cNvPr>
+          <p:cNvSpPr txBox="1"/>
+          <p:nvPr/>
+        </p:nvSpPr>
+        <p:spPr>
+          <a:xfrm>
+            <a:off x="4876800" y="52098"/>
+            <a:ext cx="5470497" cy="887095"/>
+          </a:xfrm>
+          <a:prstGeom prst="rect">
+            <a:avLst/>
+          </a:prstGeom>
+        </p:spPr>
+        <p:txBody>
+          <a:bodyPr lIns="0" tIns="0" rIns="0" bIns="0" rtlCol="0" anchor="t">
+            <a:spAutoFit/>
+          </a:bodyPr>
+          <a:lstStyle/>
+          <a:p>
+            <a:pPr algn="ctr">
+              <a:lnSpc>
+                <a:spcPts val="7279"/>
+              </a:lnSpc>
+            </a:pPr>
+            <a:r>
+              <a:rPr lang="en-US" sz="5150" dirty="0">
+                <a:solidFill>
+                  <a:srgbClr val="000000"/>
+                </a:solidFill>
+                <a:latin typeface="Open Sans"/>
+              </a:rPr>
+              <a:t>Client</a:t>
+            </a:r>
+            <a:endParaRPr lang="en-US" sz="5150" dirty="0">
+              <a:solidFill>
+                <a:srgbClr val="000000"/>
+              </a:solidFill>
+              <a:latin typeface="Open Sans"/>
+              <a:ea typeface="Open Sans"/>
+              <a:cs typeface="Open Sans"/>
+            </a:endParaRPr>
+          </a:p>
+        </p:txBody>
+      </p:sp>
+      <p:pic>
+        <p:nvPicPr>
+          <p:cNvPr id="3" name="Picture 2">
+            <a:extLst>
+              <a:ext uri="{FF2B5EF4-FFF2-40B4-BE49-F238E27FC236}">
+                <a16:creationId xmlns:a16="http://schemas.microsoft.com/office/drawing/2014/main" id="{CF6B4B93-E698-40B0-BA6E-46CA4868EFD7}"/>
+              </a:ext>
+            </a:extLst>
+          </p:cNvPr>
+          <p:cNvPicPr>
+            <a:picLocks noChangeAspect="1"/>
+          </p:cNvPicPr>
+          <p:nvPr/>
+        </p:nvPicPr>
+        <p:blipFill>
+          <a:blip r:embed="rId2"/>
+          <a:stretch>
+            <a:fillRect/>
+          </a:stretch>
+        </p:blipFill>
+        <p:spPr>
+          <a:xfrm>
+            <a:off x="492373" y="1034768"/>
+            <a:ext cx="6792273" cy="3448531"/>
+          </a:xfrm>
+          <a:prstGeom prst="rect">
+            <a:avLst/>
+          </a:prstGeom>
+        </p:spPr>
+      </p:pic>
+      <p:sp>
+        <p:nvSpPr>
+          <p:cNvPr id="13" name="TextBox 12">
+            <a:extLst>
+              <a:ext uri="{FF2B5EF4-FFF2-40B4-BE49-F238E27FC236}">
+                <a16:creationId xmlns:a16="http://schemas.microsoft.com/office/drawing/2014/main" id="{D3547683-BC5C-43DD-A7D1-C26F2394F880}"/>
+              </a:ext>
+            </a:extLst>
+          </p:cNvPr>
+          <p:cNvSpPr txBox="1"/>
+          <p:nvPr/>
+        </p:nvSpPr>
+        <p:spPr>
+          <a:xfrm>
+            <a:off x="32244" y="879801"/>
+            <a:ext cx="380232" cy="553998"/>
+          </a:xfrm>
+          <a:prstGeom prst="rect">
+            <a:avLst/>
+          </a:prstGeom>
+          <a:noFill/>
+        </p:spPr>
+        <p:txBody>
+          <a:bodyPr wrap="none" rtlCol="0">
+            <a:spAutoFit/>
+          </a:bodyPr>
+          <a:lstStyle/>
+          <a:p>
+            <a:r>
+              <a:rPr lang="it-IT" sz="3000" dirty="0"/>
+              <a:t>1</a:t>
+            </a:r>
+          </a:p>
+        </p:txBody>
+      </p:sp>
+      <p:sp>
+        <p:nvSpPr>
+          <p:cNvPr id="15" name="TextBox 14">
+            <a:extLst>
+              <a:ext uri="{FF2B5EF4-FFF2-40B4-BE49-F238E27FC236}">
+                <a16:creationId xmlns:a16="http://schemas.microsoft.com/office/drawing/2014/main" id="{329F67A2-9290-4D2D-88C4-25E53E837F37}"/>
+              </a:ext>
+            </a:extLst>
+          </p:cNvPr>
+          <p:cNvSpPr txBox="1"/>
+          <p:nvPr/>
+        </p:nvSpPr>
+        <p:spPr>
+          <a:xfrm>
+            <a:off x="35557" y="4549985"/>
+            <a:ext cx="380232" cy="553998"/>
+          </a:xfrm>
+          <a:prstGeom prst="rect">
+            <a:avLst/>
+          </a:prstGeom>
+          <a:noFill/>
+        </p:spPr>
+        <p:txBody>
+          <a:bodyPr wrap="none" rtlCol="0">
+            <a:spAutoFit/>
+          </a:bodyPr>
+          <a:lstStyle/>
+          <a:p>
+            <a:r>
+              <a:rPr lang="it-IT" sz="3000" dirty="0"/>
+              <a:t>2</a:t>
+            </a:r>
+          </a:p>
+        </p:txBody>
+      </p:sp>
+      <p:pic>
+        <p:nvPicPr>
+          <p:cNvPr id="19" name="Picture 18">
+            <a:extLst>
+              <a:ext uri="{FF2B5EF4-FFF2-40B4-BE49-F238E27FC236}">
+                <a16:creationId xmlns:a16="http://schemas.microsoft.com/office/drawing/2014/main" id="{EDDE0ADC-A51F-451F-8B56-B76DE5EA5379}"/>
+              </a:ext>
+            </a:extLst>
+          </p:cNvPr>
+          <p:cNvPicPr>
+            <a:picLocks noChangeAspect="1"/>
+          </p:cNvPicPr>
+          <p:nvPr/>
+        </p:nvPicPr>
+        <p:blipFill>
+          <a:blip r:embed="rId3"/>
+          <a:stretch>
+            <a:fillRect/>
+          </a:stretch>
+        </p:blipFill>
+        <p:spPr>
+          <a:xfrm>
+            <a:off x="489060" y="6963923"/>
+            <a:ext cx="7954485" cy="3200847"/>
+          </a:xfrm>
+          <a:prstGeom prst="rect">
+            <a:avLst/>
+          </a:prstGeom>
+        </p:spPr>
+      </p:pic>
+      <p:sp>
+        <p:nvSpPr>
+          <p:cNvPr id="20" name="TextBox 19">
+            <a:extLst>
+              <a:ext uri="{FF2B5EF4-FFF2-40B4-BE49-F238E27FC236}">
+                <a16:creationId xmlns:a16="http://schemas.microsoft.com/office/drawing/2014/main" id="{7986609C-22AF-4C61-B79A-F33D5D2ED9EE}"/>
+              </a:ext>
+            </a:extLst>
+          </p:cNvPr>
+          <p:cNvSpPr txBox="1"/>
+          <p:nvPr/>
+        </p:nvSpPr>
+        <p:spPr>
+          <a:xfrm>
+            <a:off x="18224" y="6802108"/>
+            <a:ext cx="380232" cy="553998"/>
+          </a:xfrm>
+          <a:prstGeom prst="rect">
+            <a:avLst/>
+          </a:prstGeom>
+          <a:noFill/>
+        </p:spPr>
+        <p:txBody>
+          <a:bodyPr wrap="none" rtlCol="0">
+            <a:spAutoFit/>
+          </a:bodyPr>
+          <a:lstStyle/>
+          <a:p>
+            <a:r>
+              <a:rPr lang="it-IT" sz="3000" dirty="0"/>
+              <a:t>3</a:t>
+            </a:r>
+          </a:p>
+        </p:txBody>
+      </p:sp>
+      <p:pic>
+        <p:nvPicPr>
+          <p:cNvPr id="22" name="Picture 21">
+            <a:extLst>
+              <a:ext uri="{FF2B5EF4-FFF2-40B4-BE49-F238E27FC236}">
+                <a16:creationId xmlns:a16="http://schemas.microsoft.com/office/drawing/2014/main" id="{493D5B0D-27F5-4287-9707-B406FC0DEFAF}"/>
+              </a:ext>
+            </a:extLst>
+          </p:cNvPr>
+          <p:cNvPicPr>
+            <a:picLocks noChangeAspect="1"/>
+          </p:cNvPicPr>
+          <p:nvPr/>
+        </p:nvPicPr>
+        <p:blipFill>
+          <a:blip r:embed="rId4"/>
+          <a:stretch>
+            <a:fillRect/>
+          </a:stretch>
+        </p:blipFill>
+        <p:spPr>
+          <a:xfrm>
+            <a:off x="8862645" y="1053977"/>
+            <a:ext cx="9011908" cy="8240275"/>
+          </a:xfrm>
+          <a:prstGeom prst="rect">
+            <a:avLst/>
+          </a:prstGeom>
+        </p:spPr>
+      </p:pic>
+      <p:pic>
+        <p:nvPicPr>
+          <p:cNvPr id="24" name="Picture 23">
+            <a:extLst>
+              <a:ext uri="{FF2B5EF4-FFF2-40B4-BE49-F238E27FC236}">
+                <a16:creationId xmlns:a16="http://schemas.microsoft.com/office/drawing/2014/main" id="{A79B43C4-2CCF-4E96-A514-6B2C2065FCF7}"/>
+              </a:ext>
+            </a:extLst>
+          </p:cNvPr>
+          <p:cNvPicPr>
+            <a:picLocks noChangeAspect="1"/>
+          </p:cNvPicPr>
+          <p:nvPr/>
+        </p:nvPicPr>
+        <p:blipFill>
+          <a:blip r:embed="rId5"/>
+          <a:stretch>
+            <a:fillRect/>
+          </a:stretch>
+        </p:blipFill>
+        <p:spPr>
+          <a:xfrm>
+            <a:off x="489060" y="4699779"/>
+            <a:ext cx="7039957" cy="2038635"/>
+          </a:xfrm>
+          <a:prstGeom prst="rect">
+            <a:avLst/>
+          </a:prstGeom>
+        </p:spPr>
+      </p:pic>
+      <p:sp>
+        <p:nvSpPr>
+          <p:cNvPr id="25" name="TextBox 24">
+            <a:extLst>
+              <a:ext uri="{FF2B5EF4-FFF2-40B4-BE49-F238E27FC236}">
+                <a16:creationId xmlns:a16="http://schemas.microsoft.com/office/drawing/2014/main" id="{52F7BBC3-ECF2-47E3-9BFE-FDA7E92467EC}"/>
+              </a:ext>
+            </a:extLst>
+          </p:cNvPr>
+          <p:cNvSpPr txBox="1"/>
+          <p:nvPr/>
+        </p:nvSpPr>
+        <p:spPr>
+          <a:xfrm>
+            <a:off x="8421122" y="915146"/>
+            <a:ext cx="380232" cy="553998"/>
+          </a:xfrm>
+          <a:prstGeom prst="rect">
+            <a:avLst/>
+          </a:prstGeom>
+          <a:noFill/>
+        </p:spPr>
+        <p:txBody>
+          <a:bodyPr wrap="none" rtlCol="0">
+            <a:spAutoFit/>
+          </a:bodyPr>
+          <a:lstStyle/>
+          <a:p>
+            <a:r>
+              <a:rPr lang="it-IT" sz="3000" dirty="0"/>
+              <a:t>4</a:t>
+            </a:r>
+          </a:p>
+        </p:txBody>
+      </p:sp>
+      <p:sp>
+        <p:nvSpPr>
+          <p:cNvPr id="26" name="Freeform 6">
+            <a:extLst>
+              <a:ext uri="{FF2B5EF4-FFF2-40B4-BE49-F238E27FC236}">
+                <a16:creationId xmlns:a16="http://schemas.microsoft.com/office/drawing/2014/main" id="{D5802769-1A84-41A1-BEF9-84067E7BA0CE}"/>
+              </a:ext>
+            </a:extLst>
+          </p:cNvPr>
+          <p:cNvSpPr/>
+          <p:nvPr/>
+        </p:nvSpPr>
+        <p:spPr>
+          <a:xfrm>
+            <a:off x="16804043" y="8893035"/>
+            <a:ext cx="1284201" cy="1289957"/>
+          </a:xfrm>
+          <a:custGeom>
+            <a:avLst/>
+            <a:gdLst/>
+            <a:ahLst/>
+            <a:cxnLst/>
+            <a:rect l="l" t="t" r="r" b="b"/>
+            <a:pathLst>
+              <a:path w="6321665" h="6350000">
+                <a:moveTo>
+                  <a:pt x="3160833" y="0"/>
+                </a:moveTo>
+                <a:lnTo>
+                  <a:pt x="3160833" y="0"/>
+                </a:lnTo>
+                <a:cubicBezTo>
+                  <a:pt x="4908795" y="7817"/>
+                  <a:pt x="6321666" y="1427021"/>
+                  <a:pt x="6321666" y="3175000"/>
+                </a:cubicBezTo>
+                <a:cubicBezTo>
+                  <a:pt x="6321666" y="4922979"/>
+                  <a:pt x="4908795" y="6342183"/>
+                  <a:pt x="3160833" y="6350000"/>
+                </a:cubicBezTo>
+                <a:cubicBezTo>
+                  <a:pt x="1412871" y="6342183"/>
+                  <a:pt x="0" y="4922979"/>
+                  <a:pt x="0" y="3175000"/>
+                </a:cubicBezTo>
+                <a:cubicBezTo>
+                  <a:pt x="0" y="1427021"/>
+                  <a:pt x="1412871" y="7817"/>
+                  <a:pt x="3160833" y="0"/>
+                </a:cubicBezTo>
+                <a:close/>
+              </a:path>
+            </a:pathLst>
+          </a:custGeom>
+          <a:solidFill>
+            <a:srgbClr val="004AAD"/>
+          </a:solidFill>
+        </p:spPr>
+      </p:sp>
+      <p:sp>
+        <p:nvSpPr>
+          <p:cNvPr id="27" name="TextBox 7">
+            <a:extLst>
+              <a:ext uri="{FF2B5EF4-FFF2-40B4-BE49-F238E27FC236}">
+                <a16:creationId xmlns:a16="http://schemas.microsoft.com/office/drawing/2014/main" id="{8073ACCC-B386-468D-ACEB-5F609959B1C8}"/>
+              </a:ext>
+            </a:extLst>
+          </p:cNvPr>
+          <p:cNvSpPr txBox="1"/>
+          <p:nvPr/>
+        </p:nvSpPr>
+        <p:spPr>
+          <a:xfrm>
+            <a:off x="17323807" y="9231150"/>
+            <a:ext cx="244673" cy="572593"/>
+          </a:xfrm>
+          <a:prstGeom prst="rect">
+            <a:avLst/>
+          </a:prstGeom>
+        </p:spPr>
+        <p:txBody>
+          <a:bodyPr lIns="0" tIns="0" rIns="0" bIns="0" rtlCol="0" anchor="t">
+            <a:spAutoFit/>
+          </a:bodyPr>
+          <a:lstStyle/>
+          <a:p>
+            <a:pPr algn="ctr">
+              <a:lnSpc>
+                <a:spcPts val="4759"/>
+              </a:lnSpc>
+            </a:pPr>
+            <a:r>
+              <a:rPr lang="en-US" sz="3350" dirty="0">
+                <a:solidFill>
+                  <a:srgbClr val="FFFFFF"/>
+                </a:solidFill>
+                <a:latin typeface="Open Sans Light Bold"/>
+                <a:ea typeface="Open Sans Light Bold"/>
+                <a:cs typeface="Open Sans Light Bold"/>
+              </a:rPr>
+              <a:t>8</a:t>
+            </a:r>
+          </a:p>
+        </p:txBody>
+      </p:sp>
+    </p:spTree>
+    <p:extLst>
+      <p:ext uri="{BB962C8B-B14F-4D97-AF65-F5344CB8AC3E}">
+        <p14:creationId xmlns:p14="http://schemas.microsoft.com/office/powerpoint/2010/main" val="1456092833"/>
+      </p:ext>
+    </p:extLst>
+  </p:cSld>
+  <p:clrMapOvr>
+    <a:masterClrMapping/>
+  </p:clrMapOvr>
+</p:sld>
+</file>
+
+<file path=ppt/slides/slide9.xml><?xml version="1.0" encoding="utf-8"?>
+<p:sld xmlns:a="http://schemas.openxmlformats.org/drawingml/2006/main" xmlns:r="http://schemas.openxmlformats.org/officeDocument/2006/relationships" xmlns:p="http://schemas.openxmlformats.org/presentationml/2006/main">
+  <p:cSld>
+    <p:bg>
+      <p:bgPr>
+        <a:solidFill>
+          <a:srgbClr val="FF914D"/>
+        </a:solidFill>
+        <a:effectLst/>
+      </p:bgPr>
+    </p:bg>
+    <p:spTree>
+      <p:nvGrpSpPr>
+        <p:cNvPr id="1" name=""/>
+        <p:cNvGrpSpPr/>
+        <p:nvPr/>
+      </p:nvGrpSpPr>
+      <p:grpSpPr>
+        <a:xfrm>
+          <a:off x="0" y="0"/>
+          <a:ext cx="0" cy="0"/>
+          <a:chOff x="0" y="0"/>
+          <a:chExt cx="0" cy="0"/>
+        </a:xfrm>
+      </p:grpSpPr>
+      <p:grpSp>
+        <p:nvGrpSpPr>
+          <p:cNvPr id="2" name="Group 2"/>
+          <p:cNvGrpSpPr/>
+          <p:nvPr/>
+        </p:nvGrpSpPr>
+        <p:grpSpPr>
+          <a:xfrm>
+            <a:off x="8629650" y="0"/>
+            <a:ext cx="9658350" cy="10287000"/>
+            <a:chOff x="0" y="0"/>
+            <a:chExt cx="3267146" cy="3479800"/>
+          </a:xfrm>
+        </p:grpSpPr>
+        <p:sp>
+          <p:nvSpPr>
+            <p:cNvPr id="3" name="Freeform 3"/>
+            <p:cNvSpPr/>
+            <p:nvPr/>
+          </p:nvSpPr>
+          <p:spPr>
+            <a:xfrm>
+              <a:off x="0" y="0"/>
+              <a:ext cx="3267146" cy="3479800"/>
+            </a:xfrm>
+            <a:custGeom>
+              <a:avLst/>
+              <a:gdLst/>
+              <a:ahLst/>
+              <a:cxnLst/>
+              <a:rect l="l" t="t" r="r" b="b"/>
+              <a:pathLst>
+                <a:path w="3267146" h="3479800">
+                  <a:moveTo>
+                    <a:pt x="0" y="0"/>
+                  </a:moveTo>
+                  <a:lnTo>
+                    <a:pt x="3267146" y="0"/>
+                  </a:lnTo>
+                  <a:lnTo>
+                    <a:pt x="3267146" y="3479800"/>
+                  </a:lnTo>
+                  <a:lnTo>
+                    <a:pt x="0" y="3479800"/>
+                  </a:lnTo>
+                  <a:close/>
+                </a:path>
+              </a:pathLst>
+            </a:custGeom>
+            <a:solidFill>
+              <a:srgbClr val="004AAD"/>
+            </a:solidFill>
+          </p:spPr>
+        </p:sp>
+      </p:grpSp>
+      <p:grpSp>
+        <p:nvGrpSpPr>
+          <p:cNvPr id="4" name="Group 4"/>
+          <p:cNvGrpSpPr/>
+          <p:nvPr/>
+        </p:nvGrpSpPr>
+        <p:grpSpPr>
+          <a:xfrm>
+            <a:off x="16648765" y="8740635"/>
+            <a:ext cx="1289957" cy="1289957"/>
+            <a:chOff x="0" y="0"/>
+            <a:chExt cx="1719943" cy="1719943"/>
+          </a:xfrm>
+        </p:grpSpPr>
+        <p:grpSp>
+          <p:nvGrpSpPr>
+            <p:cNvPr id="5" name="Group 5"/>
+            <p:cNvGrpSpPr/>
+            <p:nvPr/>
+          </p:nvGrpSpPr>
+          <p:grpSpPr>
+            <a:xfrm>
+              <a:off x="0" y="0"/>
+              <a:ext cx="1719943" cy="1719943"/>
+              <a:chOff x="0" y="0"/>
+              <a:chExt cx="6350000" cy="6350000"/>
+            </a:xfrm>
+          </p:grpSpPr>
+          <p:sp>
+            <p:nvSpPr>
+              <p:cNvPr id="6" name="Freeform 6"/>
+              <p:cNvSpPr/>
+              <p:nvPr/>
+            </p:nvSpPr>
+            <p:spPr>
+              <a:xfrm>
+                <a:off x="14167" y="0"/>
+                <a:ext cx="6321665" cy="6350000"/>
+              </a:xfrm>
+              <a:custGeom>
+                <a:avLst/>
+                <a:gdLst/>
+                <a:ahLst/>
+                <a:cxnLst/>
+                <a:rect l="l" t="t" r="r" b="b"/>
+                <a:pathLst>
+                  <a:path w="6321665" h="6350000">
+                    <a:moveTo>
+                      <a:pt x="3160833" y="0"/>
+                    </a:moveTo>
+                    <a:lnTo>
+                      <a:pt x="3160833" y="0"/>
+                    </a:lnTo>
+                    <a:cubicBezTo>
+                      <a:pt x="4908795" y="7817"/>
+                      <a:pt x="6321666" y="1427021"/>
+                      <a:pt x="6321666" y="3175000"/>
+                    </a:cubicBezTo>
+                    <a:cubicBezTo>
+                      <a:pt x="6321666" y="4922979"/>
+                      <a:pt x="4908795" y="6342183"/>
+                      <a:pt x="3160833" y="6350000"/>
+                    </a:cubicBezTo>
+                    <a:cubicBezTo>
+                      <a:pt x="1412871" y="6342183"/>
+                      <a:pt x="0" y="4922979"/>
+                      <a:pt x="0" y="3175000"/>
+                    </a:cubicBezTo>
+                    <a:cubicBezTo>
+                      <a:pt x="0" y="1427021"/>
+                      <a:pt x="1412871" y="7817"/>
+                      <a:pt x="3160833" y="0"/>
+                    </a:cubicBezTo>
+                    <a:close/>
+                  </a:path>
+                </a:pathLst>
+              </a:custGeom>
+              <a:solidFill>
+                <a:srgbClr val="FF914D"/>
+              </a:solidFill>
+            </p:spPr>
+          </p:sp>
+        </p:grpSp>
+        <p:sp>
+          <p:nvSpPr>
+            <p:cNvPr id="7" name="TextBox 7"/>
+            <p:cNvSpPr txBox="1"/>
+            <p:nvPr/>
+          </p:nvSpPr>
+          <p:spPr>
+            <a:xfrm>
+              <a:off x="696856" y="450820"/>
+              <a:ext cx="326231" cy="763457"/>
+            </a:xfrm>
+            <a:prstGeom prst="rect">
+              <a:avLst/>
+            </a:prstGeom>
+          </p:spPr>
+          <p:txBody>
+            <a:bodyPr lIns="0" tIns="0" rIns="0" bIns="0" rtlCol="0" anchor="t">
+              <a:spAutoFit/>
+            </a:bodyPr>
+            <a:lstStyle/>
+            <a:p>
+              <a:pPr algn="ctr">
+                <a:lnSpc>
+                  <a:spcPts val="4759"/>
+                </a:lnSpc>
+              </a:pPr>
+              <a:r>
+                <a:rPr lang="en-US" sz="3350" dirty="0">
+                  <a:solidFill>
+                    <a:srgbClr val="FFFFFF"/>
+                  </a:solidFill>
+                  <a:latin typeface="Open Sans Light Bold"/>
+                  <a:ea typeface="Open Sans Light Bold"/>
+                  <a:cs typeface="Open Sans Light Bold"/>
+                </a:rPr>
+                <a:t>9</a:t>
+              </a:r>
+            </a:p>
+          </p:txBody>
+        </p:sp>
+      </p:grpSp>
       <p:pic>
         <p:nvPicPr>
           <p:cNvPr id="8" name="Picture 8"/>
@@ -7953,8 +10220,8 @@
         </p:blipFill>
         <p:spPr>
           <a:xfrm>
-            <a:off x="533932" y="3615601"/>
-            <a:ext cx="2595069" cy="2595069"/>
+            <a:off x="521737" y="4944083"/>
+            <a:ext cx="2097782" cy="2097782"/>
           </a:xfrm>
           <a:prstGeom prst="rect">
             <a:avLst/>
@@ -7978,8 +10245,8 @@
         </p:blipFill>
         <p:spPr>
           <a:xfrm>
-            <a:off x="4326657" y="6603394"/>
-            <a:ext cx="2782219" cy="2782219"/>
+            <a:off x="2545860" y="8063237"/>
+            <a:ext cx="1588106" cy="1588106"/>
           </a:xfrm>
           <a:prstGeom prst="rect">
             <a:avLst/>
@@ -8003,8 +10270,8 @@
         </p:blipFill>
         <p:spPr>
           <a:xfrm>
-            <a:off x="9714198" y="6474224"/>
-            <a:ext cx="2911389" cy="2911389"/>
+            <a:off x="14088889" y="7457026"/>
+            <a:ext cx="2023333" cy="2023333"/>
           </a:xfrm>
           <a:prstGeom prst="rect">
             <a:avLst/>
@@ -8028,8 +10295,8 @@
         </p:blipFill>
         <p:spPr>
           <a:xfrm>
-            <a:off x="9286875" y="3696169"/>
-            <a:ext cx="3766035" cy="2118394"/>
+            <a:off x="9538221" y="6267661"/>
+            <a:ext cx="2752725" cy="1548407"/>
           </a:xfrm>
           <a:prstGeom prst="rect">
             <a:avLst/>
@@ -8053,8 +10320,8 @@
         </p:blipFill>
         <p:spPr>
           <a:xfrm>
-            <a:off x="3516782" y="4156881"/>
-            <a:ext cx="4401968" cy="1839885"/>
+            <a:off x="4114088" y="5746861"/>
+            <a:ext cx="3560777" cy="1488293"/>
           </a:xfrm>
           <a:prstGeom prst="rect">
             <a:avLst/>
@@ -8069,8 +10336,8 @@
         </p:nvSpPr>
         <p:spPr>
           <a:xfrm>
-            <a:off x="1105942" y="528866"/>
-            <a:ext cx="6441430" cy="920115"/>
+            <a:off x="-16565" y="2175197"/>
+            <a:ext cx="6441430" cy="876650"/>
           </a:xfrm>
           <a:prstGeom prst="rect">
             <a:avLst/>
@@ -8088,14 +10355,38 @@
               </a:lnSpc>
             </a:pPr>
             <a:r>
-              <a:rPr lang="en-US" sz="5400">
+              <a:rPr lang="en-US" sz="4400" dirty="0" err="1">
                 <a:solidFill>
                   <a:srgbClr val="000000"/>
                 </a:solidFill>
                 <a:latin typeface="Open Sans Extra Bold"/>
               </a:rPr>
-              <a:t>Gestione progetto</a:t>
-            </a:r>
+              <a:t>Gestione</a:t>
+            </a:r>
+            <a:r>
+              <a:rPr lang="en-US" sz="4400" dirty="0">
+                <a:solidFill>
+                  <a:srgbClr val="000000"/>
+                </a:solidFill>
+                <a:latin typeface="Open Sans Extra Bold"/>
+              </a:rPr>
+              <a:t> </a:t>
+            </a:r>
+            <a:r>
+              <a:rPr lang="en-US" sz="4400" dirty="0" err="1">
+                <a:solidFill>
+                  <a:srgbClr val="000000"/>
+                </a:solidFill>
+                <a:latin typeface="Open Sans Extra Bold"/>
+              </a:rPr>
+              <a:t>progetto</a:t>
+            </a:r>
+            <a:endParaRPr lang="en-US" sz="4400" dirty="0">
+              <a:solidFill>
+                <a:srgbClr val="000000"/>
+              </a:solidFill>
+              <a:latin typeface="Open Sans Extra Bold"/>
+            </a:endParaRPr>
           </a:p>
         </p:txBody>
       </p:sp>
@@ -8107,8 +10398,8 @@
         </p:nvSpPr>
         <p:spPr>
           <a:xfrm>
-            <a:off x="533932" y="1884589"/>
-            <a:ext cx="2272204" cy="877570"/>
+            <a:off x="820839" y="3426649"/>
+            <a:ext cx="2272204" cy="841192"/>
           </a:xfrm>
           <a:prstGeom prst="rect">
             <a:avLst/>
@@ -8126,7 +10417,7 @@
               </a:lnSpc>
             </a:pPr>
             <a:r>
-              <a:rPr lang="en-US" sz="5199">
+              <a:rPr lang="en-US" sz="4200" dirty="0">
                 <a:solidFill>
                   <a:srgbClr val="000000"/>
                 </a:solidFill>
@@ -8145,8 +10436,8 @@
         </p:nvSpPr>
         <p:spPr>
           <a:xfrm>
-            <a:off x="9286875" y="1884589"/>
-            <a:ext cx="1709291" cy="877570"/>
+            <a:off x="9982200" y="3426649"/>
+            <a:ext cx="1709291" cy="841192"/>
           </a:xfrm>
           <a:prstGeom prst="rect">
             <a:avLst/>
@@ -8164,7 +10455,7 @@
               </a:lnSpc>
             </a:pPr>
             <a:r>
-              <a:rPr lang="en-US" sz="5199">
+              <a:rPr lang="en-US" sz="4200" dirty="0">
                 <a:solidFill>
                   <a:srgbClr val="FFFFFF"/>
                 </a:solidFill>
@@ -8203,14 +10494,85 @@
         </p:blipFill>
         <p:spPr>
           <a:xfrm>
-            <a:off x="13741058" y="3610377"/>
-            <a:ext cx="3133188" cy="2382583"/>
+            <a:off x="13736424" y="4610100"/>
+            <a:ext cx="2303536" cy="1751687"/>
           </a:xfrm>
           <a:prstGeom prst="rect">
             <a:avLst/>
           </a:prstGeom>
         </p:spPr>
       </p:pic>
+      <p:sp>
+        <p:nvSpPr>
+          <p:cNvPr id="10" name="TextBox 9">
+            <a:extLst>
+              <a:ext uri="{FF2B5EF4-FFF2-40B4-BE49-F238E27FC236}">
+                <a16:creationId xmlns:a16="http://schemas.microsoft.com/office/drawing/2014/main" id="{8A5BCB15-03C0-40AA-9D05-0EED076B2672}"/>
+              </a:ext>
+            </a:extLst>
+          </p:cNvPr>
+          <p:cNvSpPr txBox="1"/>
+          <p:nvPr/>
+        </p:nvSpPr>
+        <p:spPr>
+          <a:xfrm>
+            <a:off x="-215030" y="11991"/>
+            <a:ext cx="3389386" cy="1077218"/>
+          </a:xfrm>
+          <a:prstGeom prst="rect">
+            <a:avLst/>
+          </a:prstGeom>
+          <a:noFill/>
+        </p:spPr>
+        <p:txBody>
+          <a:bodyPr wrap="square" rtlCol="0">
+            <a:spAutoFit/>
+          </a:bodyPr>
+          <a:lstStyle/>
+          <a:p>
+            <a:pPr algn="ctr"/>
+            <a:r>
+              <a:rPr lang="it-IT" sz="6400" dirty="0"/>
+              <a:t>[FINE]</a:t>
+            </a:r>
+          </a:p>
+        </p:txBody>
+      </p:sp>
+      <p:sp>
+        <p:nvSpPr>
+          <p:cNvPr id="19" name="TextBox 18">
+            <a:extLst>
+              <a:ext uri="{FF2B5EF4-FFF2-40B4-BE49-F238E27FC236}">
+                <a16:creationId xmlns:a16="http://schemas.microsoft.com/office/drawing/2014/main" id="{DA310B16-F4E3-47AB-92C9-7980159DD5A1}"/>
+              </a:ext>
+            </a:extLst>
+          </p:cNvPr>
+          <p:cNvSpPr txBox="1"/>
+          <p:nvPr/>
+        </p:nvSpPr>
+        <p:spPr>
+          <a:xfrm>
+            <a:off x="491920" y="1083456"/>
+            <a:ext cx="9230138" cy="461665"/>
+          </a:xfrm>
+          <a:prstGeom prst="rect">
+            <a:avLst/>
+          </a:prstGeom>
+          <a:noFill/>
+        </p:spPr>
+        <p:txBody>
+          <a:bodyPr wrap="square">
+            <a:spAutoFit/>
+          </a:bodyPr>
+          <a:lstStyle/>
+          <a:p>
+            <a:r>
+              <a:rPr lang="it-IT" sz="2400" dirty="0"/>
+              <a:t>https://github.com/ilcors-dev/gruppo-reti</a:t>
+            </a:r>
+          </a:p>
+        </p:txBody>
+      </p:sp>
     </p:spTree>
   </p:cSld>
   <p:clrMapOvr>
@@ -8500,4 +10862,299 @@
   <a:objectDefaults/>
   <a:extraClrSchemeLst/>
 </a:theme>
+</file>
+
+<file path=ppt/theme/theme2.xml><?xml version="1.0" encoding="utf-8"?>
+<a:theme xmlns:a="http://schemas.openxmlformats.org/drawingml/2006/main" name="Office Theme">
+  <a:themeElements>
+    <a:clrScheme name="Office">
+      <a:dk1>
+        <a:sysClr val="windowText" lastClr="000000"/>
+      </a:dk1>
+      <a:lt1>
+        <a:sysClr val="window" lastClr="FFFFFF"/>
+      </a:lt1>
+      <a:dk2>
+        <a:srgbClr val="44546A"/>
+      </a:dk2>
+      <a:lt2>
+        <a:srgbClr val="E7E6E6"/>
+      </a:lt2>
+      <a:accent1>
+        <a:srgbClr val="4472C4"/>
+      </a:accent1>
+      <a:accent2>
+        <a:srgbClr val="ED7D31"/>
+      </a:accent2>
+      <a:accent3>
+        <a:srgbClr val="A5A5A5"/>
+      </a:accent3>
+      <a:accent4>
+        <a:srgbClr val="FFC000"/>
+      </a:accent4>
+      <a:accent5>
+        <a:srgbClr val="5B9BD5"/>
+      </a:accent5>
+      <a:accent6>
+        <a:srgbClr val="70AD47"/>
+      </a:accent6>
+      <a:hlink>
+        <a:srgbClr val="0563C1"/>
+      </a:hlink>
+      <a:folHlink>
+        <a:srgbClr val="954F72"/>
+      </a:folHlink>
+    </a:clrScheme>
+    <a:fontScheme name="Office">
+      <a:majorFont>
+        <a:latin typeface="Calibri Light" panose="020F0302020204030204"/>
+        <a:ea typeface=""/>
+        <a:cs typeface=""/>
+        <a:font script="Jpan" typeface="游ゴシック Light"/>
+        <a:font script="Hang" typeface="맑은 고딕"/>
+        <a:font script="Hans" typeface="等线 Light"/>
+        <a:font script="Hant" typeface="新細明體"/>
+        <a:font script="Arab" typeface="Times New Roman"/>
+        <a:font script="Hebr" typeface="Times New Roman"/>
+        <a:font script="Thai" typeface="Angsana New"/>
+        <a:font script="Ethi" typeface="Nyala"/>
+        <a:font script="Beng" typeface="Vrinda"/>
+        <a:font script="Gujr" typeface="Shruti"/>
+        <a:font script="Khmr" typeface="MoolBoran"/>
+        <a:font script="Knda" typeface="Tunga"/>
+        <a:font script="Guru" typeface="Raavi"/>
+        <a:font script="Cans" typeface="Euphemia"/>
+        <a:font script="Cher" typeface="Plantagenet Cherokee"/>
+        <a:font script="Yiii" typeface="Microsoft Yi Baiti"/>
+        <a:font script="Tibt" typeface="Microsoft Himalaya"/>
+        <a:font script="Thaa" typeface="MV Boli"/>
+        <a:font script="Deva" typeface="Mangal"/>
+        <a:font script="Telu" typeface="Gautami"/>
+        <a:font script="Taml" typeface="Latha"/>
+        <a:font script="Syrc" typeface="Estrangelo Edessa"/>
+        <a:font script="Orya" typeface="Kalinga"/>
+        <a:font script="Mlym" typeface="Kartika"/>
+        <a:font script="Laoo" typeface="DokChampa"/>
+        <a:font script="Sinh" typeface="Iskoola Pota"/>
+        <a:font script="Mong" typeface="Mongolian Baiti"/>
+        <a:font script="Viet" typeface="Times New Roman"/>
+        <a:font script="Uigh" typeface="Microsoft Uighur"/>
+        <a:font script="Geor" typeface="Sylfaen"/>
+        <a:font script="Armn" typeface="Arial"/>
+        <a:font script="Bugi" typeface="Leelawadee UI"/>
+        <a:font script="Bopo" typeface="Microsoft JhengHei"/>
+        <a:font script="Java" typeface="Javanese Text"/>
+        <a:font script="Lisu" typeface="Segoe UI"/>
+        <a:font script="Mymr" typeface="Myanmar Text"/>
+        <a:font script="Nkoo" typeface="Ebrima"/>
+        <a:font script="Olck" typeface="Nirmala UI"/>
+        <a:font script="Osma" typeface="Ebrima"/>
+        <a:font script="Phag" typeface="Phagspa"/>
+        <a:font script="Syrn" typeface="Estrangelo Edessa"/>
+        <a:font script="Syrj" typeface="Estrangelo Edessa"/>
+        <a:font script="Syre" typeface="Estrangelo Edessa"/>
+        <a:font script="Sora" typeface="Nirmala UI"/>
+        <a:font script="Tale" typeface="Microsoft Tai Le"/>
+        <a:font script="Talu" typeface="Microsoft New Tai Lue"/>
+        <a:font script="Tfng" typeface="Ebrima"/>
+      </a:majorFont>
+      <a:minorFont>
+        <a:latin typeface="Calibri" panose="020F0502020204030204"/>
+        <a:ea typeface=""/>
+        <a:cs typeface=""/>
+        <a:font script="Jpan" typeface="游ゴシック"/>
+        <a:font script="Hang" typeface="맑은 고딕"/>
+        <a:font script="Hans" typeface="等线"/>
+        <a:font script="Hant" typeface="新細明體"/>
+        <a:font script="Arab" typeface="Arial"/>
+        <a:font script="Hebr" typeface="Arial"/>
+        <a:font script="Thai" typeface="Cordia New"/>
+        <a:font script="Ethi" typeface="Nyala"/>
+        <a:font script="Beng" typeface="Vrinda"/>
+        <a:font script="Gujr" typeface="Shruti"/>
+        <a:font script="Khmr" typeface="DaunPenh"/>
+        <a:font script="Knda" typeface="Tunga"/>
+        <a:font script="Guru" typeface="Raavi"/>
+        <a:font script="Cans" typeface="Euphemia"/>
+        <a:font script="Cher" typeface="Plantagenet Cherokee"/>
+        <a:font script="Yiii" typeface="Microsoft Yi Baiti"/>
+        <a:font script="Tibt" typeface="Microsoft Himalaya"/>
+        <a:font script="Thaa" typeface="MV Boli"/>
+        <a:font script="Deva" typeface="Mangal"/>
+        <a:font script="Telu" typeface="Gautami"/>
+        <a:font script="Taml" typeface="Latha"/>
+        <a:font script="Syrc" typeface="Estrangelo Edessa"/>
+        <a:font script="Orya" typeface="Kalinga"/>
+        <a:font script="Mlym" typeface="Kartika"/>
+        <a:font script="Laoo" typeface="DokChampa"/>
+        <a:font script="Sinh" typeface="Iskoola Pota"/>
+        <a:font script="Mong" typeface="Mongolian Baiti"/>
+        <a:font script="Viet" typeface="Arial"/>
+        <a:font script="Uigh" typeface="Microsoft Uighur"/>
+        <a:font script="Geor" typeface="Sylfaen"/>
+        <a:font script="Armn" typeface="Arial"/>
+        <a:font script="Bugi" typeface="Leelawadee UI"/>
+        <a:font script="Bopo" typeface="Microsoft JhengHei"/>
+        <a:font script="Java" typeface="Javanese Text"/>
+        <a:font script="Lisu" typeface="Segoe UI"/>
+        <a:font script="Mymr" typeface="Myanmar Text"/>
+        <a:font script="Nkoo" typeface="Ebrima"/>
+        <a:font script="Olck" typeface="Nirmala UI"/>
+        <a:font script="Osma" typeface="Ebrima"/>
+        <a:font script="Phag" typeface="Phagspa"/>
+        <a:font script="Syrn" typeface="Estrangelo Edessa"/>
+        <a:font script="Syrj" typeface="Estrangelo Edessa"/>
+        <a:font script="Syre" typeface="Estrangelo Edessa"/>
+        <a:font script="Sora" typeface="Nirmala UI"/>
+        <a:font script="Tale" typeface="Microsoft Tai Le"/>
+        <a:font script="Talu" typeface="Microsoft New Tai Lue"/>
+        <a:font script="Tfng" typeface="Ebrima"/>
+      </a:minorFont>
+    </a:fontScheme>
+    <a:fmtScheme name="Office">
+      <a:fillStyleLst>
+        <a:solidFill>
+          <a:schemeClr val="phClr"/>
+        </a:solidFill>
+        <a:gradFill rotWithShape="1">
+          <a:gsLst>
+            <a:gs pos="0">
+              <a:schemeClr val="phClr">
+                <a:lumMod val="110000"/>
+                <a:satMod val="105000"/>
+                <a:tint val="67000"/>
+              </a:schemeClr>
+            </a:gs>
+            <a:gs pos="50000">
+              <a:schemeClr val="phClr">
+                <a:lumMod val="105000"/>
+                <a:satMod val="103000"/>
+                <a:tint val="73000"/>
+              </a:schemeClr>
+            </a:gs>
+            <a:gs pos="100000">
+              <a:schemeClr val="phClr">
+                <a:lumMod val="105000"/>
+                <a:satMod val="109000"/>
+                <a:tint val="81000"/>
+              </a:schemeClr>
+            </a:gs>
+          </a:gsLst>
+          <a:lin ang="5400000" scaled="0"/>
+        </a:gradFill>
+        <a:gradFill rotWithShape="1">
+          <a:gsLst>
+            <a:gs pos="0">
+              <a:schemeClr val="phClr">
+                <a:satMod val="103000"/>
+                <a:lumMod val="102000"/>
+                <a:tint val="94000"/>
+              </a:schemeClr>
+            </a:gs>
+            <a:gs pos="50000">
+              <a:schemeClr val="phClr">
+                <a:satMod val="110000"/>
+                <a:lumMod val="100000"/>
+                <a:shade val="100000"/>
+              </a:schemeClr>
+            </a:gs>
+            <a:gs pos="100000">
+              <a:schemeClr val="phClr">
+                <a:lumMod val="99000"/>
+                <a:satMod val="120000"/>
+                <a:shade val="78000"/>
+              </a:schemeClr>
+            </a:gs>
+          </a:gsLst>
+          <a:lin ang="5400000" scaled="0"/>
+        </a:gradFill>
+      </a:fillStyleLst>
+      <a:lnStyleLst>
+        <a:ln w="6350" cap="flat" cmpd="sng" algn="ctr">
+          <a:solidFill>
+            <a:schemeClr val="phClr"/>
+          </a:solidFill>
+          <a:prstDash val="solid"/>
+          <a:miter lim="800000"/>
+        </a:ln>
+        <a:ln w="12700" cap="flat" cmpd="sng" algn="ctr">
+          <a:solidFill>
+            <a:schemeClr val="phClr"/>
+          </a:solidFill>
+          <a:prstDash val="solid"/>
+          <a:miter lim="800000"/>
+        </a:ln>
+        <a:ln w="19050" cap="flat" cmpd="sng" algn="ctr">
+          <a:solidFill>
+            <a:schemeClr val="phClr"/>
+          </a:solidFill>
+          <a:prstDash val="solid"/>
+          <a:miter lim="800000"/>
+        </a:ln>
+      </a:lnStyleLst>
+      <a:effectStyleLst>
+        <a:effectStyle>
+          <a:effectLst/>
+        </a:effectStyle>
+        <a:effectStyle>
+          <a:effectLst/>
+        </a:effectStyle>
+        <a:effectStyle>
+          <a:effectLst>
+            <a:outerShdw blurRad="57150" dist="19050" dir="5400000" algn="ctr" rotWithShape="0">
+              <a:srgbClr val="000000">
+                <a:alpha val="63000"/>
+              </a:srgbClr>
+            </a:outerShdw>
+          </a:effectLst>
+        </a:effectStyle>
+      </a:effectStyleLst>
+      <a:bgFillStyleLst>
+        <a:solidFill>
+          <a:schemeClr val="phClr"/>
+        </a:solidFill>
+        <a:solidFill>
+          <a:schemeClr val="phClr">
+            <a:tint val="95000"/>
+            <a:satMod val="170000"/>
+          </a:schemeClr>
+        </a:solidFill>
+        <a:gradFill rotWithShape="1">
+          <a:gsLst>
+            <a:gs pos="0">
+              <a:schemeClr val="phClr">
+                <a:tint val="93000"/>
+                <a:satMod val="150000"/>
+                <a:shade val="98000"/>
+                <a:lumMod val="102000"/>
+              </a:schemeClr>
+            </a:gs>
+            <a:gs pos="50000">
+              <a:schemeClr val="phClr">
+                <a:tint val="98000"/>
+                <a:satMod val="130000"/>
+                <a:shade val="90000"/>
+                <a:lumMod val="103000"/>
+              </a:schemeClr>
+            </a:gs>
+            <a:gs pos="100000">
+              <a:schemeClr val="phClr">
+                <a:shade val="63000"/>
+                <a:satMod val="120000"/>
+              </a:schemeClr>
+            </a:gs>
+          </a:gsLst>
+          <a:lin ang="5400000" scaled="0"/>
+        </a:gradFill>
+      </a:bgFillStyleLst>
+    </a:fmtScheme>
+  </a:themeElements>
+  <a:objectDefaults/>
+  <a:extraClrSchemeLst/>
+  <a:extLst>
+    <a:ext uri="{05A4C25C-085E-4340-85A3-A5531E510DB2}">
+      <thm15:themeFamily xmlns:thm15="http://schemas.microsoft.com/office/thememl/2012/main" name="Office Theme" id="{62F939B6-93AF-4DB8-9C6B-D6C7DFDC589F}" vid="{4A3C46E8-61CC-4603-A589-7422A47A8E4A}"/>
+    </a:ext>
+  </a:extLst>
+</a:theme>
 </file>
--- a/esercitazione_1/documents/Esercitazione 1.pptx
+++ b/esercitazione_1/documents/Esercitazione 1.pptx
@@ -8680,6 +8680,73 @@
           <a:chExt cx="0" cy="0"/>
         </a:xfrm>
       </p:grpSpPr>
+      <p:grpSp>
+        <p:nvGrpSpPr>
+          <p:cNvPr id="8" name="Group 2">
+            <a:extLst>
+              <a:ext uri="{FF2B5EF4-FFF2-40B4-BE49-F238E27FC236}">
+                <a16:creationId xmlns:a16="http://schemas.microsoft.com/office/drawing/2014/main" id="{DF556BB9-07D6-4111-A5B9-F2A0E026E464}"/>
+              </a:ext>
+            </a:extLst>
+          </p:cNvPr>
+          <p:cNvGrpSpPr/>
+          <p:nvPr/>
+        </p:nvGrpSpPr>
+        <p:grpSpPr>
+          <a:xfrm>
+            <a:off x="-12284" y="0"/>
+            <a:ext cx="18300284" cy="10287000"/>
+            <a:chOff x="0" y="0"/>
+            <a:chExt cx="3267146" cy="3479800"/>
+          </a:xfrm>
+        </p:grpSpPr>
+        <p:sp>
+          <p:nvSpPr>
+            <p:cNvPr id="9" name="Freeform 3">
+              <a:extLst>
+                <a:ext uri="{FF2B5EF4-FFF2-40B4-BE49-F238E27FC236}">
+                  <a16:creationId xmlns:a16="http://schemas.microsoft.com/office/drawing/2014/main" id="{D175FC83-0FB5-41DB-9424-BFF2A67A24A0}"/>
+                </a:ext>
+              </a:extLst>
+            </p:cNvPr>
+            <p:cNvSpPr/>
+            <p:nvPr/>
+          </p:nvSpPr>
+          <p:spPr>
+            <a:xfrm>
+              <a:off x="0" y="0"/>
+              <a:ext cx="3267146" cy="3479800"/>
+            </a:xfrm>
+            <a:custGeom>
+              <a:avLst/>
+              <a:gdLst/>
+              <a:ahLst/>
+              <a:cxnLst/>
+              <a:rect l="l" t="t" r="r" b="b"/>
+              <a:pathLst>
+                <a:path w="3267146" h="3479800">
+                  <a:moveTo>
+                    <a:pt x="0" y="0"/>
+                  </a:moveTo>
+                  <a:lnTo>
+                    <a:pt x="3267146" y="0"/>
+                  </a:lnTo>
+                  <a:lnTo>
+                    <a:pt x="3267146" y="3479800"/>
+                  </a:lnTo>
+                  <a:lnTo>
+                    <a:pt x="0" y="3479800"/>
+                  </a:lnTo>
+                  <a:close/>
+                </a:path>
+              </a:pathLst>
+            </a:custGeom>
+            <a:solidFill>
+              <a:srgbClr val="004AAD"/>
+            </a:solidFill>
+          </p:spPr>
+        </p:sp>
+      </p:grpSp>
       <p:sp>
         <p:nvSpPr>
           <p:cNvPr id="12" name="Freeform 6">
@@ -8736,7 +8803,7 @@
             </a:pathLst>
           </a:custGeom>
           <a:solidFill>
-            <a:srgbClr val="004AAD"/>
+            <a:schemeClr val="accent6"/>
           </a:solidFill>
         </p:spPr>
       </p:sp>
@@ -8820,11 +8887,17 @@
             </a:pPr>
             <a:r>
               <a:rPr lang="en-US" sz="5400" dirty="0" err="1">
+                <a:solidFill>
+                  <a:schemeClr val="bg1"/>
+                </a:solidFill>
                 <a:latin typeface="Open Sans Extra Bold"/>
               </a:rPr>
               <a:t>Implementazione</a:t>
             </a:r>
             <a:endParaRPr lang="en-US" sz="5400" dirty="0" err="1">
+              <a:solidFill>
+                <a:schemeClr val="bg1"/>
+              </a:solidFill>
               <a:latin typeface="Open Sans Extra Bold"/>
               <a:ea typeface="Open Sans Extra Bold"/>
               <a:cs typeface="Open Sans Extra Bold"/>
@@ -8866,11 +8939,17 @@
             </a:pPr>
             <a:r>
               <a:rPr lang="en-US" sz="5150" dirty="0">
+                <a:solidFill>
+                  <a:schemeClr val="bg1"/>
+                </a:solidFill>
                 <a:latin typeface="Open Sans"/>
               </a:rPr>
               <a:t>JAVA - RS</a:t>
             </a:r>
             <a:endParaRPr lang="en-US" sz="5150" dirty="0">
+              <a:solidFill>
+                <a:schemeClr val="bg1"/>
+              </a:solidFill>
               <a:latin typeface="Open Sans"/>
               <a:ea typeface="Open Sans"/>
               <a:cs typeface="Open Sans"/>

--- a/esercitazione_1/documents/Esercitazione 1.pptx
+++ b/esercitazione_1/documents/Esercitazione 1.pptx
@@ -4376,14 +4376,14 @@
         <p:spPr>
           <a:xfrm>
             <a:off x="9144000" y="1884589"/>
-            <a:ext cx="2853928" cy="877570"/>
+            <a:ext cx="3429000" cy="877570"/>
           </a:xfrm>
           <a:prstGeom prst="rect">
             <a:avLst/>
           </a:prstGeom>
         </p:spPr>
         <p:txBody>
-          <a:bodyPr lIns="0" tIns="0" rIns="0" bIns="0" rtlCol="0" anchor="t">
+          <a:bodyPr wrap="square" lIns="0" tIns="0" rIns="0" bIns="0" rtlCol="0" anchor="t">
             <a:spAutoFit/>
           </a:bodyPr>
           <a:lstStyle/>
@@ -4394,7 +4394,7 @@
               </a:lnSpc>
             </a:pPr>
             <a:r>
-              <a:rPr lang="en-US" sz="5199">
+              <a:rPr lang="en-US" sz="5199" dirty="0">
                 <a:solidFill>
                   <a:srgbClr val="FFFFFF"/>
                 </a:solidFill>
@@ -8161,10 +8161,10 @@
       </p:pic>
       <p:pic>
         <p:nvPicPr>
-          <p:cNvPr id="40" name="Picture 39">
+          <p:cNvPr id="42" name="Picture 41">
             <a:extLst>
               <a:ext uri="{FF2B5EF4-FFF2-40B4-BE49-F238E27FC236}">
-                <a16:creationId xmlns:a16="http://schemas.microsoft.com/office/drawing/2014/main" id="{CC14358F-FA29-495B-8FE1-0C351127B302}"/>
+                <a16:creationId xmlns:a16="http://schemas.microsoft.com/office/drawing/2014/main" id="{9B42DDDC-72BF-4A64-9582-EFFFA278A2D2}"/>
               </a:ext>
             </a:extLst>
           </p:cNvPr>
@@ -8181,8 +8181,8 @@
         </p:blipFill>
         <p:spPr>
           <a:xfrm>
-            <a:off x="10066111" y="225928"/>
-            <a:ext cx="6182588" cy="2762636"/>
+            <a:off x="10066111" y="3231901"/>
+            <a:ext cx="6373114" cy="6916115"/>
           </a:xfrm>
           <a:prstGeom prst="rect">
             <a:avLst/>
@@ -8191,10 +8191,10 @@
       </p:pic>
       <p:pic>
         <p:nvPicPr>
-          <p:cNvPr id="42" name="Picture 41">
+          <p:cNvPr id="13" name="Picture 12">
             <a:extLst>
               <a:ext uri="{FF2B5EF4-FFF2-40B4-BE49-F238E27FC236}">
-                <a16:creationId xmlns:a16="http://schemas.microsoft.com/office/drawing/2014/main" id="{9B42DDDC-72BF-4A64-9582-EFFFA278A2D2}"/>
+                <a16:creationId xmlns:a16="http://schemas.microsoft.com/office/drawing/2014/main" id="{BCA8799A-7EEC-48E9-AF42-41C7E51CACAB}"/>
               </a:ext>
             </a:extLst>
           </p:cNvPr>
@@ -8211,8 +8211,8 @@
         </p:blipFill>
         <p:spPr>
           <a:xfrm>
-            <a:off x="10066111" y="3231901"/>
-            <a:ext cx="6373114" cy="6916115"/>
+            <a:off x="10066111" y="195853"/>
+            <a:ext cx="6382641" cy="2657846"/>
           </a:xfrm>
           <a:prstGeom prst="rect">
             <a:avLst/>
@@ -8959,10 +8959,10 @@
       </p:sp>
       <p:pic>
         <p:nvPicPr>
-          <p:cNvPr id="3" name="Picture 2">
+          <p:cNvPr id="4" name="Picture 3">
             <a:extLst>
               <a:ext uri="{FF2B5EF4-FFF2-40B4-BE49-F238E27FC236}">
-                <a16:creationId xmlns:a16="http://schemas.microsoft.com/office/drawing/2014/main" id="{F31EFE87-71AD-4A31-B897-382D70E82A49}"/>
+                <a16:creationId xmlns:a16="http://schemas.microsoft.com/office/drawing/2014/main" id="{73EFDC74-75B8-4B88-90BC-DDFDC5F2A086}"/>
               </a:ext>
             </a:extLst>
           </p:cNvPr>
@@ -8979,8 +8979,8 @@
         </p:blipFill>
         <p:spPr>
           <a:xfrm>
-            <a:off x="352156" y="1010962"/>
-            <a:ext cx="7716327" cy="8640381"/>
+            <a:off x="315542" y="1315303"/>
+            <a:ext cx="7735380" cy="8011643"/>
           </a:xfrm>
           <a:prstGeom prst="rect">
             <a:avLst/>
@@ -9699,36 +9699,6 @@
           </a:p>
         </p:txBody>
       </p:sp>
-      <p:pic>
-        <p:nvPicPr>
-          <p:cNvPr id="3" name="Picture 2">
-            <a:extLst>
-              <a:ext uri="{FF2B5EF4-FFF2-40B4-BE49-F238E27FC236}">
-                <a16:creationId xmlns:a16="http://schemas.microsoft.com/office/drawing/2014/main" id="{CF6B4B93-E698-40B0-BA6E-46CA4868EFD7}"/>
-              </a:ext>
-            </a:extLst>
-          </p:cNvPr>
-          <p:cNvPicPr>
-            <a:picLocks noChangeAspect="1"/>
-          </p:cNvPicPr>
-          <p:nvPr/>
-        </p:nvPicPr>
-        <p:blipFill>
-          <a:blip r:embed="rId2"/>
-          <a:stretch>
-            <a:fillRect/>
-          </a:stretch>
-        </p:blipFill>
-        <p:spPr>
-          <a:xfrm>
-            <a:off x="492373" y="1034768"/>
-            <a:ext cx="6792273" cy="3448531"/>
-          </a:xfrm>
-          <a:prstGeom prst="rect">
-            <a:avLst/>
-          </a:prstGeom>
-        </p:spPr>
-      </p:pic>
       <p:sp>
         <p:nvSpPr>
           <p:cNvPr id="13" name="TextBox 12">
@@ -9799,36 +9769,6 @@
           </a:p>
         </p:txBody>
       </p:sp>
-      <p:pic>
-        <p:nvPicPr>
-          <p:cNvPr id="19" name="Picture 18">
-            <a:extLst>
-              <a:ext uri="{FF2B5EF4-FFF2-40B4-BE49-F238E27FC236}">
-                <a16:creationId xmlns:a16="http://schemas.microsoft.com/office/drawing/2014/main" id="{EDDE0ADC-A51F-451F-8B56-B76DE5EA5379}"/>
-              </a:ext>
-            </a:extLst>
-          </p:cNvPr>
-          <p:cNvPicPr>
-            <a:picLocks noChangeAspect="1"/>
-          </p:cNvPicPr>
-          <p:nvPr/>
-        </p:nvPicPr>
-        <p:blipFill>
-          <a:blip r:embed="rId3"/>
-          <a:stretch>
-            <a:fillRect/>
-          </a:stretch>
-        </p:blipFill>
-        <p:spPr>
-          <a:xfrm>
-            <a:off x="489060" y="6963923"/>
-            <a:ext cx="7954485" cy="3200847"/>
-          </a:xfrm>
-          <a:prstGeom prst="rect">
-            <a:avLst/>
-          </a:prstGeom>
-        </p:spPr>
-      </p:pic>
       <p:sp>
         <p:nvSpPr>
           <p:cNvPr id="20" name="TextBox 19">
@@ -9864,66 +9804,6 @@
           </a:p>
         </p:txBody>
       </p:sp>
-      <p:pic>
-        <p:nvPicPr>
-          <p:cNvPr id="22" name="Picture 21">
-            <a:extLst>
-              <a:ext uri="{FF2B5EF4-FFF2-40B4-BE49-F238E27FC236}">
-                <a16:creationId xmlns:a16="http://schemas.microsoft.com/office/drawing/2014/main" id="{493D5B0D-27F5-4287-9707-B406FC0DEFAF}"/>
-              </a:ext>
-            </a:extLst>
-          </p:cNvPr>
-          <p:cNvPicPr>
-            <a:picLocks noChangeAspect="1"/>
-          </p:cNvPicPr>
-          <p:nvPr/>
-        </p:nvPicPr>
-        <p:blipFill>
-          <a:blip r:embed="rId4"/>
-          <a:stretch>
-            <a:fillRect/>
-          </a:stretch>
-        </p:blipFill>
-        <p:spPr>
-          <a:xfrm>
-            <a:off x="8862645" y="1053977"/>
-            <a:ext cx="9011908" cy="8240275"/>
-          </a:xfrm>
-          <a:prstGeom prst="rect">
-            <a:avLst/>
-          </a:prstGeom>
-        </p:spPr>
-      </p:pic>
-      <p:pic>
-        <p:nvPicPr>
-          <p:cNvPr id="24" name="Picture 23">
-            <a:extLst>
-              <a:ext uri="{FF2B5EF4-FFF2-40B4-BE49-F238E27FC236}">
-                <a16:creationId xmlns:a16="http://schemas.microsoft.com/office/drawing/2014/main" id="{A79B43C4-2CCF-4E96-A514-6B2C2065FCF7}"/>
-              </a:ext>
-            </a:extLst>
-          </p:cNvPr>
-          <p:cNvPicPr>
-            <a:picLocks noChangeAspect="1"/>
-          </p:cNvPicPr>
-          <p:nvPr/>
-        </p:nvPicPr>
-        <p:blipFill>
-          <a:blip r:embed="rId5"/>
-          <a:stretch>
-            <a:fillRect/>
-          </a:stretch>
-        </p:blipFill>
-        <p:spPr>
-          <a:xfrm>
-            <a:off x="489060" y="4699779"/>
-            <a:ext cx="7039957" cy="2038635"/>
-          </a:xfrm>
-          <a:prstGeom prst="rect">
-            <a:avLst/>
-          </a:prstGeom>
-        </p:spPr>
-      </p:pic>
       <p:sp>
         <p:nvSpPr>
           <p:cNvPr id="25" name="TextBox 24">
@@ -10065,6 +9945,126 @@
           </a:p>
         </p:txBody>
       </p:sp>
+      <p:pic>
+        <p:nvPicPr>
+          <p:cNvPr id="4" name="Picture 3">
+            <a:extLst>
+              <a:ext uri="{FF2B5EF4-FFF2-40B4-BE49-F238E27FC236}">
+                <a16:creationId xmlns:a16="http://schemas.microsoft.com/office/drawing/2014/main" id="{F8501BD8-938B-4E0D-BD01-C8824D94A460}"/>
+              </a:ext>
+            </a:extLst>
+          </p:cNvPr>
+          <p:cNvPicPr>
+            <a:picLocks noChangeAspect="1"/>
+          </p:cNvPicPr>
+          <p:nvPr/>
+        </p:nvPicPr>
+        <p:blipFill>
+          <a:blip r:embed="rId2"/>
+          <a:stretch>
+            <a:fillRect/>
+          </a:stretch>
+        </p:blipFill>
+        <p:spPr>
+          <a:xfrm>
+            <a:off x="489060" y="1000374"/>
+            <a:ext cx="6801799" cy="3419952"/>
+          </a:xfrm>
+          <a:prstGeom prst="rect">
+            <a:avLst/>
+          </a:prstGeom>
+        </p:spPr>
+      </p:pic>
+      <p:pic>
+        <p:nvPicPr>
+          <p:cNvPr id="8" name="Picture 7">
+            <a:extLst>
+              <a:ext uri="{FF2B5EF4-FFF2-40B4-BE49-F238E27FC236}">
+                <a16:creationId xmlns:a16="http://schemas.microsoft.com/office/drawing/2014/main" id="{96150DDA-CF33-4EC9-9173-8D22C3B4FFF6}"/>
+              </a:ext>
+            </a:extLst>
+          </p:cNvPr>
+          <p:cNvPicPr>
+            <a:picLocks noChangeAspect="1"/>
+          </p:cNvPicPr>
+          <p:nvPr/>
+        </p:nvPicPr>
+        <p:blipFill>
+          <a:blip r:embed="rId3"/>
+          <a:stretch>
+            <a:fillRect/>
+          </a:stretch>
+        </p:blipFill>
+        <p:spPr>
+          <a:xfrm>
+            <a:off x="487019" y="4672807"/>
+            <a:ext cx="7001852" cy="2038635"/>
+          </a:xfrm>
+          <a:prstGeom prst="rect">
+            <a:avLst/>
+          </a:prstGeom>
+        </p:spPr>
+      </p:pic>
+      <p:pic>
+        <p:nvPicPr>
+          <p:cNvPr id="14" name="Picture 13">
+            <a:extLst>
+              <a:ext uri="{FF2B5EF4-FFF2-40B4-BE49-F238E27FC236}">
+                <a16:creationId xmlns:a16="http://schemas.microsoft.com/office/drawing/2014/main" id="{94F8C671-099C-4524-AA0E-FC89B19D9C8C}"/>
+              </a:ext>
+            </a:extLst>
+          </p:cNvPr>
+          <p:cNvPicPr>
+            <a:picLocks noChangeAspect="1"/>
+          </p:cNvPicPr>
+          <p:nvPr/>
+        </p:nvPicPr>
+        <p:blipFill>
+          <a:blip r:embed="rId4"/>
+          <a:stretch>
+            <a:fillRect/>
+          </a:stretch>
+        </p:blipFill>
+        <p:spPr>
+          <a:xfrm>
+            <a:off x="487019" y="6912935"/>
+            <a:ext cx="7954485" cy="3286584"/>
+          </a:xfrm>
+          <a:prstGeom prst="rect">
+            <a:avLst/>
+          </a:prstGeom>
+        </p:spPr>
+      </p:pic>
+      <p:pic>
+        <p:nvPicPr>
+          <p:cNvPr id="18" name="Picture 17">
+            <a:extLst>
+              <a:ext uri="{FF2B5EF4-FFF2-40B4-BE49-F238E27FC236}">
+                <a16:creationId xmlns:a16="http://schemas.microsoft.com/office/drawing/2014/main" id="{192EED21-ECB4-4CC6-A05C-7F0100929A04}"/>
+              </a:ext>
+            </a:extLst>
+          </p:cNvPr>
+          <p:cNvPicPr>
+            <a:picLocks noChangeAspect="1"/>
+          </p:cNvPicPr>
+          <p:nvPr/>
+        </p:nvPicPr>
+        <p:blipFill>
+          <a:blip r:embed="rId5"/>
+          <a:stretch>
+            <a:fillRect/>
+          </a:stretch>
+        </p:blipFill>
+        <p:spPr>
+          <a:xfrm>
+            <a:off x="8784849" y="935024"/>
+            <a:ext cx="9040487" cy="8030696"/>
+          </a:xfrm>
+          <a:prstGeom prst="rect">
+            <a:avLst/>
+          </a:prstGeom>
+        </p:spPr>
+      </p:pic>
     </p:spTree>
     <p:extLst>
       <p:ext uri="{BB962C8B-B14F-4D97-AF65-F5344CB8AC3E}">

--- a/esercitazione_1/documents/Esercitazione 1.pptx
+++ b/esercitazione_1/documents/Esercitazione 1.pptx
@@ -253,7 +253,7 @@
           <a:p>
             <a:fld id="{13361636-BFE9-452D-8822-77868F860139}" type="datetimeFigureOut">
               <a:rPr lang="it-IT" smtClean="0"/>
-              <a:t>18/10/2021</a:t>
+              <a:t>19/10/2021</a:t>
             </a:fld>
             <a:endParaRPr lang="it-IT"/>
           </a:p>
@@ -869,7 +869,7 @@
             <a:fld id="{1D8BD707-D9CF-40AE-B4C6-C98DA3205C09}" type="datetimeFigureOut">
               <a:rPr lang="en-US" smtClean="0"/>
               <a:pPr/>
-              <a:t>10/18/2021</a:t>
+              <a:t>10/19/2021</a:t>
             </a:fld>
             <a:endParaRPr lang="en-US"/>
           </a:p>
@@ -1034,7 +1034,7 @@
             <a:fld id="{1D8BD707-D9CF-40AE-B4C6-C98DA3205C09}" type="datetimeFigureOut">
               <a:rPr lang="en-US" smtClean="0"/>
               <a:pPr/>
-              <a:t>10/18/2021</a:t>
+              <a:t>10/19/2021</a:t>
             </a:fld>
             <a:endParaRPr lang="en-US"/>
           </a:p>
@@ -1209,7 +1209,7 @@
             <a:fld id="{1D8BD707-D9CF-40AE-B4C6-C98DA3205C09}" type="datetimeFigureOut">
               <a:rPr lang="en-US" smtClean="0"/>
               <a:pPr/>
-              <a:t>10/18/2021</a:t>
+              <a:t>10/19/2021</a:t>
             </a:fld>
             <a:endParaRPr lang="en-US"/>
           </a:p>
@@ -1374,7 +1374,7 @@
             <a:fld id="{1D8BD707-D9CF-40AE-B4C6-C98DA3205C09}" type="datetimeFigureOut">
               <a:rPr lang="en-US" smtClean="0"/>
               <a:pPr/>
-              <a:t>10/18/2021</a:t>
+              <a:t>10/19/2021</a:t>
             </a:fld>
             <a:endParaRPr lang="en-US"/>
           </a:p>
@@ -1616,7 +1616,7 @@
             <a:fld id="{1D8BD707-D9CF-40AE-B4C6-C98DA3205C09}" type="datetimeFigureOut">
               <a:rPr lang="en-US" smtClean="0"/>
               <a:pPr/>
-              <a:t>10/18/2021</a:t>
+              <a:t>10/19/2021</a:t>
             </a:fld>
             <a:endParaRPr lang="en-US"/>
           </a:p>
@@ -1898,7 +1898,7 @@
             <a:fld id="{1D8BD707-D9CF-40AE-B4C6-C98DA3205C09}" type="datetimeFigureOut">
               <a:rPr lang="en-US" smtClean="0"/>
               <a:pPr/>
-              <a:t>10/18/2021</a:t>
+              <a:t>10/19/2021</a:t>
             </a:fld>
             <a:endParaRPr lang="en-US"/>
           </a:p>
@@ -2314,7 +2314,7 @@
             <a:fld id="{1D8BD707-D9CF-40AE-B4C6-C98DA3205C09}" type="datetimeFigureOut">
               <a:rPr lang="en-US" smtClean="0"/>
               <a:pPr/>
-              <a:t>10/18/2021</a:t>
+              <a:t>10/19/2021</a:t>
             </a:fld>
             <a:endParaRPr lang="en-US"/>
           </a:p>
@@ -2428,7 +2428,7 @@
             <a:fld id="{1D8BD707-D9CF-40AE-B4C6-C98DA3205C09}" type="datetimeFigureOut">
               <a:rPr lang="en-US" smtClean="0"/>
               <a:pPr/>
-              <a:t>10/18/2021</a:t>
+              <a:t>10/19/2021</a:t>
             </a:fld>
             <a:endParaRPr lang="en-US"/>
           </a:p>
@@ -2520,7 +2520,7 @@
             <a:fld id="{1D8BD707-D9CF-40AE-B4C6-C98DA3205C09}" type="datetimeFigureOut">
               <a:rPr lang="en-US" smtClean="0"/>
               <a:pPr/>
-              <a:t>10/18/2021</a:t>
+              <a:t>10/19/2021</a:t>
             </a:fld>
             <a:endParaRPr lang="en-US"/>
           </a:p>
@@ -2792,7 +2792,7 @@
             <a:fld id="{1D8BD707-D9CF-40AE-B4C6-C98DA3205C09}" type="datetimeFigureOut">
               <a:rPr lang="en-US" smtClean="0"/>
               <a:pPr/>
-              <a:t>10/18/2021</a:t>
+              <a:t>10/19/2021</a:t>
             </a:fld>
             <a:endParaRPr lang="en-US"/>
           </a:p>
@@ -3041,7 +3041,7 @@
             <a:fld id="{1D8BD707-D9CF-40AE-B4C6-C98DA3205C09}" type="datetimeFigureOut">
               <a:rPr lang="en-US" smtClean="0"/>
               <a:pPr/>
-              <a:t>10/18/2021</a:t>
+              <a:t>10/19/2021</a:t>
             </a:fld>
             <a:endParaRPr lang="en-US"/>
           </a:p>
@@ -3249,7 +3249,7 @@
             <a:fld id="{1D8BD707-D9CF-40AE-B4C6-C98DA3205C09}" type="datetimeFigureOut">
               <a:rPr lang="en-US" smtClean="0"/>
               <a:pPr/>
-              <a:t>10/18/2021</a:t>
+              <a:t>10/19/2021</a:t>
             </a:fld>
             <a:endParaRPr lang="en-US"/>
           </a:p>
@@ -9713,7 +9713,7 @@
         </p:nvSpPr>
         <p:spPr>
           <a:xfrm>
-            <a:off x="32244" y="879801"/>
+            <a:off x="32338" y="803050"/>
             <a:ext cx="380232" cy="553998"/>
           </a:xfrm>
           <a:prstGeom prst="rect">
@@ -9748,7 +9748,7 @@
         </p:nvSpPr>
         <p:spPr>
           <a:xfrm>
-            <a:off x="35557" y="4549985"/>
+            <a:off x="36037" y="4396374"/>
             <a:ext cx="380232" cy="553998"/>
           </a:xfrm>
           <a:prstGeom prst="rect">
@@ -9783,7 +9783,7 @@
         </p:nvSpPr>
         <p:spPr>
           <a:xfrm>
-            <a:off x="18224" y="6802108"/>
+            <a:off x="31584" y="6630757"/>
             <a:ext cx="380232" cy="553998"/>
           </a:xfrm>
           <a:prstGeom prst="rect">
@@ -9967,7 +9967,7 @@
         </p:blipFill>
         <p:spPr>
           <a:xfrm>
-            <a:off x="489060" y="1000374"/>
+            <a:off x="484476" y="948276"/>
             <a:ext cx="6801799" cy="3419952"/>
           </a:xfrm>
           <a:prstGeom prst="rect">
@@ -9997,7 +9997,7 @@
         </p:blipFill>
         <p:spPr>
           <a:xfrm>
-            <a:off x="487019" y="4672807"/>
+            <a:off x="484476" y="4553594"/>
             <a:ext cx="7001852" cy="2038635"/>
           </a:xfrm>
           <a:prstGeom prst="rect">
@@ -10007,10 +10007,10 @@
       </p:pic>
       <p:pic>
         <p:nvPicPr>
-          <p:cNvPr id="14" name="Picture 13">
+          <p:cNvPr id="3" name="Picture 2">
             <a:extLst>
               <a:ext uri="{FF2B5EF4-FFF2-40B4-BE49-F238E27FC236}">
-                <a16:creationId xmlns:a16="http://schemas.microsoft.com/office/drawing/2014/main" id="{94F8C671-099C-4524-AA0E-FC89B19D9C8C}"/>
+                <a16:creationId xmlns:a16="http://schemas.microsoft.com/office/drawing/2014/main" id="{68B65516-3FE6-4096-A49B-A7F92D1D3FAA}"/>
               </a:ext>
             </a:extLst>
           </p:cNvPr>
@@ -10027,8 +10027,8 @@
         </p:blipFill>
         <p:spPr>
           <a:xfrm>
-            <a:off x="487019" y="6912935"/>
-            <a:ext cx="7954485" cy="3286584"/>
+            <a:off x="483291" y="6773431"/>
+            <a:ext cx="7964011" cy="3496163"/>
           </a:xfrm>
           <a:prstGeom prst="rect">
             <a:avLst/>
@@ -10037,10 +10037,10 @@
       </p:pic>
       <p:pic>
         <p:nvPicPr>
-          <p:cNvPr id="18" name="Picture 17">
+          <p:cNvPr id="19" name="Picture 18">
             <a:extLst>
               <a:ext uri="{FF2B5EF4-FFF2-40B4-BE49-F238E27FC236}">
-                <a16:creationId xmlns:a16="http://schemas.microsoft.com/office/drawing/2014/main" id="{192EED21-ECB4-4CC6-A05C-7F0100929A04}"/>
+                <a16:creationId xmlns:a16="http://schemas.microsoft.com/office/drawing/2014/main" id="{35D02273-0250-47AC-AFEA-343A538D0149}"/>
               </a:ext>
             </a:extLst>
           </p:cNvPr>
@@ -10057,8 +10057,8 @@
         </p:blipFill>
         <p:spPr>
           <a:xfrm>
-            <a:off x="8784849" y="935024"/>
-            <a:ext cx="9040487" cy="8030696"/>
+            <a:off x="8801354" y="938571"/>
+            <a:ext cx="9040487" cy="7802064"/>
           </a:xfrm>
           <a:prstGeom prst="rect">
             <a:avLst/>
